--- a/docs/final_report.pptx
+++ b/docs/final_report.pptx
@@ -7,10 +7,10 @@
     <p:sldMasterId id="2147483653" r:id="rId3"/>
   </p:sldMasterIdLst>
   <p:notesMasterIdLst>
-    <p:notesMasterId r:id="rId17"/>
+    <p:notesMasterId r:id="rId24"/>
   </p:notesMasterIdLst>
   <p:handoutMasterIdLst>
-    <p:handoutMasterId r:id="rId18"/>
+    <p:handoutMasterId r:id="rId25"/>
   </p:handoutMasterIdLst>
   <p:sldIdLst>
     <p:sldId id="256" r:id="rId4"/>
@@ -24,8 +24,15 @@
     <p:sldId id="277" r:id="rId12"/>
     <p:sldId id="305" r:id="rId13"/>
     <p:sldId id="300" r:id="rId14"/>
-    <p:sldId id="301" r:id="rId15"/>
-    <p:sldId id="262" r:id="rId16"/>
+    <p:sldId id="308" r:id="rId15"/>
+    <p:sldId id="309" r:id="rId16"/>
+    <p:sldId id="310" r:id="rId17"/>
+    <p:sldId id="311" r:id="rId18"/>
+    <p:sldId id="312" r:id="rId19"/>
+    <p:sldId id="301" r:id="rId20"/>
+    <p:sldId id="313" r:id="rId21"/>
+    <p:sldId id="314" r:id="rId22"/>
+    <p:sldId id="262" r:id="rId23"/>
   </p:sldIdLst>
   <p:sldSz cx="9144000" cy="5143500" type="screen16x9"/>
   <p:notesSz cx="6858000" cy="9144000"/>
@@ -240,7 +247,7 @@
           <a:p>
             <a:fld id="{D090F118-FDC5-4298-8605-509719EC5E22}" type="datetimeFigureOut">
               <a:rPr lang="ko-KR" altLang="en-US" smtClean="0"/>
-              <a:t>2020-12-13</a:t>
+              <a:t>2020-12-14</a:t>
             </a:fld>
             <a:endParaRPr lang="ko-KR" altLang="en-US"/>
           </a:p>
@@ -417,7 +424,7 @@
           <a:p>
             <a:fld id="{7C8BDEB5-11C8-4FFD-966B-93DB62A96F3D}" type="datetimeFigureOut">
               <a:rPr lang="ko-KR" altLang="en-US" smtClean="0"/>
-              <a:t>2020-12-13</a:t>
+              <a:t>2020-12-14</a:t>
             </a:fld>
             <a:endParaRPr lang="ko-KR" altLang="en-US"/>
           </a:p>
@@ -3143,6 +3150,134 @@
     <p:extLst>
       <p:ext uri="{BB962C8B-B14F-4D97-AF65-F5344CB8AC3E}">
         <p14:creationId xmlns:p14="http://schemas.microsoft.com/office/powerpoint/2010/main" val="1738235425"/>
+      </p:ext>
+    </p:extLst>
+  </p:cSld>
+  <p:clrMapOvr>
+    <a:masterClrMapping/>
+  </p:clrMapOvr>
+</p:sldLayout>
+</file>
+
+<file path=ppt/slideLayouts/slideLayout19.xml><?xml version="1.0" encoding="utf-8"?>
+<p:sldLayout xmlns:a="http://schemas.openxmlformats.org/drawingml/2006/main" xmlns:r="http://schemas.openxmlformats.org/officeDocument/2006/relationships" xmlns:p="http://schemas.openxmlformats.org/presentationml/2006/main" userDrawn="1">
+  <p:cSld name="1_Basic Layout">
+    <p:bg>
+      <p:bgPr>
+        <a:blipFill dpi="0" rotWithShape="1">
+          <a:blip r:embed="rId2">
+            <a:lum/>
+          </a:blip>
+          <a:srcRect/>
+          <a:stretch>
+            <a:fillRect/>
+          </a:stretch>
+        </a:blipFill>
+        <a:effectLst/>
+      </p:bgPr>
+    </p:bg>
+    <p:spTree>
+      <p:nvGrpSpPr>
+        <p:cNvPr id="1" name=""/>
+        <p:cNvGrpSpPr/>
+        <p:nvPr/>
+      </p:nvGrpSpPr>
+      <p:grpSpPr>
+        <a:xfrm>
+          <a:off x="0" y="0"/>
+          <a:ext cx="0" cy="0"/>
+          <a:chOff x="0" y="0"/>
+          <a:chExt cx="0" cy="0"/>
+        </a:xfrm>
+      </p:grpSpPr>
+      <p:sp>
+        <p:nvSpPr>
+          <p:cNvPr id="10" name="Text Placeholder 9"/>
+          <p:cNvSpPr>
+            <a:spLocks noGrp="1"/>
+          </p:cNvSpPr>
+          <p:nvPr>
+            <p:ph type="body" sz="quarter" idx="10" hasCustomPrompt="1"/>
+          </p:nvPr>
+        </p:nvSpPr>
+        <p:spPr>
+          <a:xfrm>
+            <a:off x="1763688" y="123478"/>
+            <a:ext cx="7380312" cy="576064"/>
+          </a:xfrm>
+          <a:prstGeom prst="rect">
+            <a:avLst/>
+          </a:prstGeom>
+        </p:spPr>
+        <p:txBody>
+          <a:bodyPr anchor="ctr"/>
+          <a:lstStyle>
+            <a:lvl1pPr marL="0" indent="0" algn="l">
+              <a:buNone/>
+              <a:defRPr sz="3600" b="0" baseline="0">
+                <a:solidFill>
+                  <a:schemeClr val="accent3"/>
+                </a:solidFill>
+                <a:latin typeface="+mj-lt"/>
+                <a:cs typeface="Arial" pitchFamily="34" charset="0"/>
+              </a:defRPr>
+            </a:lvl1pPr>
+          </a:lstStyle>
+          <a:p>
+            <a:pPr lvl="0"/>
+            <a:r>
+              <a:rPr lang="en-US" altLang="ko-KR" dirty="0"/>
+              <a:t>BASIC LAYOUT</a:t>
+            </a:r>
+          </a:p>
+        </p:txBody>
+      </p:sp>
+      <p:sp>
+        <p:nvSpPr>
+          <p:cNvPr id="11" name="Text Placeholder 9"/>
+          <p:cNvSpPr>
+            <a:spLocks noGrp="1"/>
+          </p:cNvSpPr>
+          <p:nvPr>
+            <p:ph type="body" sz="quarter" idx="11" hasCustomPrompt="1"/>
+          </p:nvPr>
+        </p:nvSpPr>
+        <p:spPr>
+          <a:xfrm>
+            <a:off x="1763688" y="699542"/>
+            <a:ext cx="7380312" cy="288032"/>
+          </a:xfrm>
+          <a:prstGeom prst="rect">
+            <a:avLst/>
+          </a:prstGeom>
+        </p:spPr>
+        <p:txBody>
+          <a:bodyPr anchor="ctr"/>
+          <a:lstStyle>
+            <a:lvl1pPr marL="0" indent="0" algn="l">
+              <a:buNone/>
+              <a:defRPr sz="1400" b="0" baseline="0">
+                <a:solidFill>
+                  <a:schemeClr val="accent3"/>
+                </a:solidFill>
+                <a:latin typeface="+mn-lt"/>
+                <a:cs typeface="Arial" pitchFamily="34" charset="0"/>
+              </a:defRPr>
+            </a:lvl1pPr>
+          </a:lstStyle>
+          <a:p>
+            <a:pPr lvl="0"/>
+            <a:r>
+              <a:rPr lang="en-US" altLang="ko-KR" dirty="0"/>
+              <a:t>Insert the title of your subtitle Here</a:t>
+            </a:r>
+          </a:p>
+        </p:txBody>
+      </p:sp>
+    </p:spTree>
+    <p:extLst>
+      <p:ext uri="{BB962C8B-B14F-4D97-AF65-F5344CB8AC3E}">
+        <p14:creationId xmlns:p14="http://schemas.microsoft.com/office/powerpoint/2010/main" val="3259921328"/>
       </p:ext>
     </p:extLst>
   </p:cSld>
@@ -5037,6 +5172,7 @@
   <p:clrMap bg1="lt1" tx1="dk1" bg2="lt2" tx2="dk2" accent1="accent1" accent2="accent2" accent3="accent3" accent4="accent4" accent5="accent5" accent6="accent6" hlink="hlink" folHlink="folHlink"/>
   <p:sldLayoutIdLst>
     <p:sldLayoutId id="2147483654" r:id="rId1"/>
+    <p:sldLayoutId id="2147483671" r:id="rId2"/>
   </p:sldLayoutIdLst>
   <p:txStyles>
     <p:titleStyle>
@@ -5793,6 +5929,1137 @@
       </p:grpSpPr>
       <p:sp>
         <p:nvSpPr>
+          <p:cNvPr id="2" name="텍스트 개체 틀 1">
+            <a:extLst>
+              <a:ext uri="{FF2B5EF4-FFF2-40B4-BE49-F238E27FC236}">
+                <a16:creationId xmlns:a16="http://schemas.microsoft.com/office/drawing/2014/main" id="{2B901459-C227-4A03-AAB1-55DFAAA69691}"/>
+              </a:ext>
+            </a:extLst>
+          </p:cNvPr>
+          <p:cNvSpPr>
+            <a:spLocks noGrp="1"/>
+          </p:cNvSpPr>
+          <p:nvPr>
+            <p:ph type="body" sz="quarter" idx="10"/>
+          </p:nvPr>
+        </p:nvSpPr>
+        <p:spPr/>
+        <p:txBody>
+          <a:bodyPr/>
+          <a:lstStyle/>
+          <a:p>
+            <a:r>
+              <a:rPr lang="en-US" altLang="ko-KR" dirty="0"/>
+              <a:t>Learning</a:t>
+            </a:r>
+            <a:r>
+              <a:rPr lang="ko-KR" altLang="en-US" dirty="0"/>
+              <a:t> </a:t>
+            </a:r>
+            <a:r>
+              <a:rPr lang="en-US" altLang="ko-KR" dirty="0"/>
+              <a:t>Model</a:t>
+            </a:r>
+            <a:endParaRPr lang="ko-KR" altLang="en-US" dirty="0"/>
+          </a:p>
+        </p:txBody>
+      </p:sp>
+      <p:sp>
+        <p:nvSpPr>
+          <p:cNvPr id="3" name="텍스트 개체 틀 2">
+            <a:extLst>
+              <a:ext uri="{FF2B5EF4-FFF2-40B4-BE49-F238E27FC236}">
+                <a16:creationId xmlns:a16="http://schemas.microsoft.com/office/drawing/2014/main" id="{61806DA3-3D3C-43CD-9640-147B5DDCE33D}"/>
+              </a:ext>
+            </a:extLst>
+          </p:cNvPr>
+          <p:cNvSpPr>
+            <a:spLocks noGrp="1"/>
+          </p:cNvSpPr>
+          <p:nvPr>
+            <p:ph type="body" sz="quarter" idx="11"/>
+          </p:nvPr>
+        </p:nvSpPr>
+        <p:spPr/>
+        <p:txBody>
+          <a:bodyPr/>
+          <a:lstStyle/>
+          <a:p>
+            <a:r>
+              <a:rPr lang="en-US" altLang="ko-KR" dirty="0"/>
+              <a:t>Using Spark</a:t>
+            </a:r>
+            <a:endParaRPr lang="ko-KR" altLang="en-US" dirty="0"/>
+          </a:p>
+        </p:txBody>
+      </p:sp>
+      <p:sp>
+        <p:nvSpPr>
+          <p:cNvPr id="4" name="TextBox 3">
+            <a:extLst>
+              <a:ext uri="{FF2B5EF4-FFF2-40B4-BE49-F238E27FC236}">
+                <a16:creationId xmlns:a16="http://schemas.microsoft.com/office/drawing/2014/main" id="{06C3B1CC-F38B-48C1-80ED-EB1D8DA0E632}"/>
+              </a:ext>
+            </a:extLst>
+          </p:cNvPr>
+          <p:cNvSpPr txBox="1"/>
+          <p:nvPr/>
+        </p:nvSpPr>
+        <p:spPr>
+          <a:xfrm>
+            <a:off x="1771637" y="3795886"/>
+            <a:ext cx="6840760" cy="954107"/>
+          </a:xfrm>
+          <a:prstGeom prst="rect">
+            <a:avLst/>
+          </a:prstGeom>
+          <a:noFill/>
+        </p:spPr>
+        <p:txBody>
+          <a:bodyPr wrap="square" rtlCol="0">
+            <a:spAutoFit/>
+          </a:bodyPr>
+          <a:lstStyle/>
+          <a:p>
+            <a:r>
+              <a:rPr lang="en-US" altLang="ko-KR" sz="1400" dirty="0">
+                <a:solidFill>
+                  <a:schemeClr val="accent3"/>
+                </a:solidFill>
+              </a:rPr>
+              <a:t>We are using apache’s </a:t>
+            </a:r>
+            <a:r>
+              <a:rPr lang="en-US" altLang="ko-KR" sz="1400" dirty="0" err="1">
+                <a:solidFill>
+                  <a:schemeClr val="accent3"/>
+                </a:solidFill>
+              </a:rPr>
+              <a:t>pyspark</a:t>
+            </a:r>
+            <a:r>
+              <a:rPr lang="en-US" altLang="ko-KR" sz="1400" dirty="0">
+                <a:solidFill>
+                  <a:schemeClr val="accent3"/>
+                </a:solidFill>
+              </a:rPr>
+              <a:t> to implement our recommender system.</a:t>
+            </a:r>
+          </a:p>
+          <a:p>
+            <a:endParaRPr lang="en-US" altLang="ko-KR" sz="1400" dirty="0">
+              <a:solidFill>
+                <a:schemeClr val="accent3"/>
+              </a:solidFill>
+            </a:endParaRPr>
+          </a:p>
+          <a:p>
+            <a:r>
+              <a:rPr lang="en-US" altLang="ko-KR" sz="1400" dirty="0">
+                <a:solidFill>
+                  <a:schemeClr val="accent3"/>
+                </a:solidFill>
+              </a:rPr>
+              <a:t>Which helps us interface with Resilient Distributed Datasets .</a:t>
+            </a:r>
+          </a:p>
+          <a:p>
+            <a:endParaRPr lang="en-US" altLang="ko-KR" sz="1400" dirty="0">
+              <a:solidFill>
+                <a:schemeClr val="accent3"/>
+              </a:solidFill>
+            </a:endParaRPr>
+          </a:p>
+        </p:txBody>
+      </p:sp>
+      <p:pic>
+        <p:nvPicPr>
+          <p:cNvPr id="1026" name="Picture 2" descr="PySpark Programming | What is PySpark? | Introduction To PySpark | Edureka">
+            <a:extLst>
+              <a:ext uri="{FF2B5EF4-FFF2-40B4-BE49-F238E27FC236}">
+                <a16:creationId xmlns:a16="http://schemas.microsoft.com/office/drawing/2014/main" id="{2529C810-463F-4663-9DAC-0C13CA6EC231}"/>
+              </a:ext>
+            </a:extLst>
+          </p:cNvPr>
+          <p:cNvPicPr>
+            <a:picLocks noChangeAspect="1" noChangeArrowheads="1"/>
+          </p:cNvPicPr>
+          <p:nvPr/>
+        </p:nvPicPr>
+        <p:blipFill>
+          <a:blip r:embed="rId2" cstate="print">
+            <a:extLst>
+              <a:ext uri="{28A0092B-C50C-407E-A947-70E740481C1C}">
+                <a14:useLocalDpi xmlns:a14="http://schemas.microsoft.com/office/drawing/2010/main" val="0"/>
+              </a:ext>
+            </a:extLst>
+          </a:blip>
+          <a:srcRect/>
+          <a:stretch>
+            <a:fillRect/>
+          </a:stretch>
+        </p:blipFill>
+        <p:spPr bwMode="auto">
+          <a:xfrm>
+            <a:off x="3779912" y="1326328"/>
+            <a:ext cx="5190438" cy="1813049"/>
+          </a:xfrm>
+          <a:prstGeom prst="rect">
+            <a:avLst/>
+          </a:prstGeom>
+          <a:noFill/>
+          <a:extLst>
+            <a:ext uri="{909E8E84-426E-40DD-AFC4-6F175D3DCCD1}">
+              <a14:hiddenFill xmlns:a14="http://schemas.microsoft.com/office/drawing/2010/main">
+                <a:solidFill>
+                  <a:srgbClr val="FFFFFF"/>
+                </a:solidFill>
+              </a14:hiddenFill>
+            </a:ext>
+          </a:extLst>
+        </p:spPr>
+      </p:pic>
+    </p:spTree>
+    <p:extLst>
+      <p:ext uri="{BB962C8B-B14F-4D97-AF65-F5344CB8AC3E}">
+        <p14:creationId xmlns:p14="http://schemas.microsoft.com/office/powerpoint/2010/main" val="2344822348"/>
+      </p:ext>
+    </p:extLst>
+  </p:cSld>
+  <p:clrMapOvr>
+    <a:masterClrMapping/>
+  </p:clrMapOvr>
+</p:sld>
+</file>
+
+<file path=ppt/slides/slide13.xml><?xml version="1.0" encoding="utf-8"?>
+<p:sld xmlns:a="http://schemas.openxmlformats.org/drawingml/2006/main" xmlns:r="http://schemas.openxmlformats.org/officeDocument/2006/relationships" xmlns:p="http://schemas.openxmlformats.org/presentationml/2006/main">
+  <p:cSld>
+    <p:spTree>
+      <p:nvGrpSpPr>
+        <p:cNvPr id="1" name=""/>
+        <p:cNvGrpSpPr/>
+        <p:nvPr/>
+      </p:nvGrpSpPr>
+      <p:grpSpPr>
+        <a:xfrm>
+          <a:off x="0" y="0"/>
+          <a:ext cx="0" cy="0"/>
+          <a:chOff x="0" y="0"/>
+          <a:chExt cx="0" cy="0"/>
+        </a:xfrm>
+      </p:grpSpPr>
+      <p:sp>
+        <p:nvSpPr>
+          <p:cNvPr id="2" name="텍스트 개체 틀 1">
+            <a:extLst>
+              <a:ext uri="{FF2B5EF4-FFF2-40B4-BE49-F238E27FC236}">
+                <a16:creationId xmlns:a16="http://schemas.microsoft.com/office/drawing/2014/main" id="{2B901459-C227-4A03-AAB1-55DFAAA69691}"/>
+              </a:ext>
+            </a:extLst>
+          </p:cNvPr>
+          <p:cNvSpPr>
+            <a:spLocks noGrp="1"/>
+          </p:cNvSpPr>
+          <p:nvPr>
+            <p:ph type="body" sz="quarter" idx="10"/>
+          </p:nvPr>
+        </p:nvSpPr>
+        <p:spPr/>
+        <p:txBody>
+          <a:bodyPr/>
+          <a:lstStyle/>
+          <a:p>
+            <a:r>
+              <a:rPr lang="en-US" altLang="ko-KR" dirty="0"/>
+              <a:t>Learning</a:t>
+            </a:r>
+            <a:r>
+              <a:rPr lang="ko-KR" altLang="en-US" dirty="0"/>
+              <a:t> </a:t>
+            </a:r>
+            <a:r>
+              <a:rPr lang="en-US" altLang="ko-KR" dirty="0"/>
+              <a:t>Model</a:t>
+            </a:r>
+            <a:endParaRPr lang="ko-KR" altLang="en-US" dirty="0"/>
+          </a:p>
+        </p:txBody>
+      </p:sp>
+      <p:sp>
+        <p:nvSpPr>
+          <p:cNvPr id="3" name="텍스트 개체 틀 2">
+            <a:extLst>
+              <a:ext uri="{FF2B5EF4-FFF2-40B4-BE49-F238E27FC236}">
+                <a16:creationId xmlns:a16="http://schemas.microsoft.com/office/drawing/2014/main" id="{61806DA3-3D3C-43CD-9640-147B5DDCE33D}"/>
+              </a:ext>
+            </a:extLst>
+          </p:cNvPr>
+          <p:cNvSpPr>
+            <a:spLocks noGrp="1"/>
+          </p:cNvSpPr>
+          <p:nvPr>
+            <p:ph type="body" sz="quarter" idx="11"/>
+          </p:nvPr>
+        </p:nvSpPr>
+        <p:spPr/>
+        <p:txBody>
+          <a:bodyPr/>
+          <a:lstStyle/>
+          <a:p>
+            <a:r>
+              <a:rPr lang="en-US" altLang="ko-KR" dirty="0"/>
+              <a:t>Collaborative Filtering</a:t>
+            </a:r>
+            <a:endParaRPr lang="ko-KR" altLang="en-US" dirty="0"/>
+          </a:p>
+        </p:txBody>
+      </p:sp>
+      <p:sp>
+        <p:nvSpPr>
+          <p:cNvPr id="4" name="TextBox 3">
+            <a:extLst>
+              <a:ext uri="{FF2B5EF4-FFF2-40B4-BE49-F238E27FC236}">
+                <a16:creationId xmlns:a16="http://schemas.microsoft.com/office/drawing/2014/main" id="{06C3B1CC-F38B-48C1-80ED-EB1D8DA0E632}"/>
+              </a:ext>
+            </a:extLst>
+          </p:cNvPr>
+          <p:cNvSpPr txBox="1"/>
+          <p:nvPr/>
+        </p:nvSpPr>
+        <p:spPr>
+          <a:xfrm>
+            <a:off x="1755467" y="3160304"/>
+            <a:ext cx="6840760" cy="2031325"/>
+          </a:xfrm>
+          <a:prstGeom prst="rect">
+            <a:avLst/>
+          </a:prstGeom>
+          <a:noFill/>
+        </p:spPr>
+        <p:txBody>
+          <a:bodyPr wrap="square" rtlCol="0">
+            <a:spAutoFit/>
+          </a:bodyPr>
+          <a:lstStyle/>
+          <a:p>
+            <a:r>
+              <a:rPr lang="en-US" altLang="ko-KR" sz="1400" dirty="0">
+                <a:solidFill>
+                  <a:schemeClr val="accent3"/>
+                </a:solidFill>
+              </a:rPr>
+              <a:t>Our basic think was there’s user A who has played one game called Z, then the Man B who play that game called Z played another game called Y, then system recommends game Y to user A.</a:t>
+            </a:r>
+          </a:p>
+          <a:p>
+            <a:endParaRPr lang="en-US" altLang="ko-KR" sz="1400" dirty="0">
+              <a:solidFill>
+                <a:schemeClr val="accent3"/>
+              </a:solidFill>
+            </a:endParaRPr>
+          </a:p>
+          <a:p>
+            <a:r>
+              <a:rPr lang="en-US" altLang="ko-KR" sz="1400" dirty="0">
+                <a:solidFill>
+                  <a:schemeClr val="accent3"/>
+                </a:solidFill>
+              </a:rPr>
+              <a:t>And user C who played game Z, plays More time in game X than user B played in game Z, then game X gets more weight to calculate matrix.</a:t>
+            </a:r>
+          </a:p>
+          <a:p>
+            <a:endParaRPr lang="en-US" altLang="ko-KR" sz="1400" dirty="0">
+              <a:solidFill>
+                <a:schemeClr val="accent3"/>
+              </a:solidFill>
+            </a:endParaRPr>
+          </a:p>
+          <a:p>
+            <a:r>
+              <a:rPr lang="en-US" altLang="ko-KR" sz="1400" dirty="0">
+                <a:solidFill>
+                  <a:schemeClr val="accent3"/>
+                </a:solidFill>
+              </a:rPr>
+              <a:t>And implement this principle with Collaborative Filtering.</a:t>
+            </a:r>
+          </a:p>
+          <a:p>
+            <a:endParaRPr lang="en-US" altLang="ko-KR" sz="1400" dirty="0">
+              <a:solidFill>
+                <a:schemeClr val="accent3"/>
+              </a:solidFill>
+            </a:endParaRPr>
+          </a:p>
+        </p:txBody>
+      </p:sp>
+      <p:pic>
+        <p:nvPicPr>
+          <p:cNvPr id="2050" name="Picture 2" descr="Collaborative Filtering · Recommendation.jl">
+            <a:extLst>
+              <a:ext uri="{FF2B5EF4-FFF2-40B4-BE49-F238E27FC236}">
+                <a16:creationId xmlns:a16="http://schemas.microsoft.com/office/drawing/2014/main" id="{5033E535-98BB-45DD-A80F-8CED193BF1C3}"/>
+              </a:ext>
+            </a:extLst>
+          </p:cNvPr>
+          <p:cNvPicPr>
+            <a:picLocks noChangeAspect="1" noChangeArrowheads="1"/>
+          </p:cNvPicPr>
+          <p:nvPr/>
+        </p:nvPicPr>
+        <p:blipFill>
+          <a:blip r:embed="rId2">
+            <a:extLst>
+              <a:ext uri="{28A0092B-C50C-407E-A947-70E740481C1C}">
+                <a14:useLocalDpi xmlns:a14="http://schemas.microsoft.com/office/drawing/2010/main" val="0"/>
+              </a:ext>
+            </a:extLst>
+          </a:blip>
+          <a:srcRect/>
+          <a:stretch>
+            <a:fillRect/>
+          </a:stretch>
+        </p:blipFill>
+        <p:spPr bwMode="auto">
+          <a:xfrm>
+            <a:off x="2809620" y="1018776"/>
+            <a:ext cx="4892912" cy="2097836"/>
+          </a:xfrm>
+          <a:prstGeom prst="rect">
+            <a:avLst/>
+          </a:prstGeom>
+          <a:noFill/>
+          <a:extLst>
+            <a:ext uri="{909E8E84-426E-40DD-AFC4-6F175D3DCCD1}">
+              <a14:hiddenFill xmlns:a14="http://schemas.microsoft.com/office/drawing/2010/main">
+                <a:solidFill>
+                  <a:srgbClr val="FFFFFF"/>
+                </a:solidFill>
+              </a14:hiddenFill>
+            </a:ext>
+          </a:extLst>
+        </p:spPr>
+      </p:pic>
+    </p:spTree>
+    <p:extLst>
+      <p:ext uri="{BB962C8B-B14F-4D97-AF65-F5344CB8AC3E}">
+        <p14:creationId xmlns:p14="http://schemas.microsoft.com/office/powerpoint/2010/main" val="4228146401"/>
+      </p:ext>
+    </p:extLst>
+  </p:cSld>
+  <p:clrMapOvr>
+    <a:masterClrMapping/>
+  </p:clrMapOvr>
+</p:sld>
+</file>
+
+<file path=ppt/slides/slide14.xml><?xml version="1.0" encoding="utf-8"?>
+<p:sld xmlns:a="http://schemas.openxmlformats.org/drawingml/2006/main" xmlns:r="http://schemas.openxmlformats.org/officeDocument/2006/relationships" xmlns:p="http://schemas.openxmlformats.org/presentationml/2006/main">
+  <p:cSld>
+    <p:spTree>
+      <p:nvGrpSpPr>
+        <p:cNvPr id="1" name=""/>
+        <p:cNvGrpSpPr/>
+        <p:nvPr/>
+      </p:nvGrpSpPr>
+      <p:grpSpPr>
+        <a:xfrm>
+          <a:off x="0" y="0"/>
+          <a:ext cx="0" cy="0"/>
+          <a:chOff x="0" y="0"/>
+          <a:chExt cx="0" cy="0"/>
+        </a:xfrm>
+      </p:grpSpPr>
+      <p:sp>
+        <p:nvSpPr>
+          <p:cNvPr id="2" name="텍스트 개체 틀 1">
+            <a:extLst>
+              <a:ext uri="{FF2B5EF4-FFF2-40B4-BE49-F238E27FC236}">
+                <a16:creationId xmlns:a16="http://schemas.microsoft.com/office/drawing/2014/main" id="{2B901459-C227-4A03-AAB1-55DFAAA69691}"/>
+              </a:ext>
+            </a:extLst>
+          </p:cNvPr>
+          <p:cNvSpPr>
+            <a:spLocks noGrp="1"/>
+          </p:cNvSpPr>
+          <p:nvPr>
+            <p:ph type="body" sz="quarter" idx="10"/>
+          </p:nvPr>
+        </p:nvSpPr>
+        <p:spPr/>
+        <p:txBody>
+          <a:bodyPr/>
+          <a:lstStyle/>
+          <a:p>
+            <a:r>
+              <a:rPr lang="en-US" altLang="ko-KR" dirty="0"/>
+              <a:t>Learning</a:t>
+            </a:r>
+            <a:r>
+              <a:rPr lang="ko-KR" altLang="en-US" dirty="0"/>
+              <a:t> </a:t>
+            </a:r>
+            <a:r>
+              <a:rPr lang="en-US" altLang="ko-KR" dirty="0"/>
+              <a:t>Model</a:t>
+            </a:r>
+            <a:endParaRPr lang="ko-KR" altLang="en-US" dirty="0"/>
+          </a:p>
+        </p:txBody>
+      </p:sp>
+      <p:sp>
+        <p:nvSpPr>
+          <p:cNvPr id="3" name="텍스트 개체 틀 2">
+            <a:extLst>
+              <a:ext uri="{FF2B5EF4-FFF2-40B4-BE49-F238E27FC236}">
+                <a16:creationId xmlns:a16="http://schemas.microsoft.com/office/drawing/2014/main" id="{61806DA3-3D3C-43CD-9640-147B5DDCE33D}"/>
+              </a:ext>
+            </a:extLst>
+          </p:cNvPr>
+          <p:cNvSpPr>
+            <a:spLocks noGrp="1"/>
+          </p:cNvSpPr>
+          <p:nvPr>
+            <p:ph type="body" sz="quarter" idx="11"/>
+          </p:nvPr>
+        </p:nvSpPr>
+        <p:spPr/>
+        <p:txBody>
+          <a:bodyPr/>
+          <a:lstStyle/>
+          <a:p>
+            <a:r>
+              <a:rPr lang="en-US" altLang="ko-KR" dirty="0"/>
+              <a:t>Collaborative Filtering</a:t>
+            </a:r>
+            <a:endParaRPr lang="ko-KR" altLang="en-US" dirty="0"/>
+          </a:p>
+        </p:txBody>
+      </p:sp>
+      <p:sp>
+        <p:nvSpPr>
+          <p:cNvPr id="4" name="TextBox 3">
+            <a:extLst>
+              <a:ext uri="{FF2B5EF4-FFF2-40B4-BE49-F238E27FC236}">
+                <a16:creationId xmlns:a16="http://schemas.microsoft.com/office/drawing/2014/main" id="{06C3B1CC-F38B-48C1-80ED-EB1D8DA0E632}"/>
+              </a:ext>
+            </a:extLst>
+          </p:cNvPr>
+          <p:cNvSpPr txBox="1"/>
+          <p:nvPr/>
+        </p:nvSpPr>
+        <p:spPr>
+          <a:xfrm>
+            <a:off x="1907704" y="1707654"/>
+            <a:ext cx="6840760" cy="2246769"/>
+          </a:xfrm>
+          <a:prstGeom prst="rect">
+            <a:avLst/>
+          </a:prstGeom>
+          <a:noFill/>
+        </p:spPr>
+        <p:txBody>
+          <a:bodyPr wrap="square" rtlCol="0">
+            <a:spAutoFit/>
+          </a:bodyPr>
+          <a:lstStyle/>
+          <a:p>
+            <a:r>
+              <a:rPr lang="en-US" altLang="ko-KR" sz="1400" dirty="0">
+                <a:solidFill>
+                  <a:schemeClr val="accent3"/>
+                </a:solidFill>
+              </a:rPr>
+              <a:t>In Collaboration Filtering techniques, we need to fill in the missing components of user-item associated matrix.</a:t>
+            </a:r>
+          </a:p>
+          <a:p>
+            <a:endParaRPr lang="en-US" altLang="ko-KR" sz="1400" dirty="0">
+              <a:solidFill>
+                <a:schemeClr val="accent3"/>
+              </a:solidFill>
+            </a:endParaRPr>
+          </a:p>
+          <a:p>
+            <a:r>
+              <a:rPr lang="en-US" altLang="ko-KR" sz="1400" dirty="0">
+                <a:solidFill>
+                  <a:schemeClr val="accent3"/>
+                </a:solidFill>
+              </a:rPr>
+              <a:t>For that, Spark supports Alternating Least Squares algorithms(</a:t>
+            </a:r>
+            <a:r>
+              <a:rPr lang="en-US" altLang="ko-KR" sz="1400" dirty="0" err="1">
+                <a:solidFill>
+                  <a:schemeClr val="accent3"/>
+                </a:solidFill>
+              </a:rPr>
+              <a:t>a.k.a</a:t>
+            </a:r>
+            <a:r>
+              <a:rPr lang="en-US" altLang="ko-KR" sz="1400" dirty="0">
+                <a:solidFill>
+                  <a:schemeClr val="accent3"/>
+                </a:solidFill>
+              </a:rPr>
+              <a:t> ALS) to predict those missing entries.</a:t>
+            </a:r>
+          </a:p>
+          <a:p>
+            <a:endParaRPr lang="en-US" altLang="ko-KR" sz="1400" dirty="0">
+              <a:solidFill>
+                <a:schemeClr val="accent3"/>
+              </a:solidFill>
+            </a:endParaRPr>
+          </a:p>
+          <a:p>
+            <a:r>
+              <a:rPr lang="en-US" altLang="ko-KR" sz="1400" dirty="0">
+                <a:solidFill>
+                  <a:schemeClr val="accent3"/>
+                </a:solidFill>
+              </a:rPr>
+              <a:t>Here’s some references about Spark’s collaborative filtering document :</a:t>
+            </a:r>
+          </a:p>
+          <a:p>
+            <a:r>
+              <a:rPr lang="en-US" altLang="ko-KR" sz="1400" dirty="0">
+                <a:solidFill>
+                  <a:schemeClr val="accent3"/>
+                </a:solidFill>
+                <a:hlinkClick r:id="rId2">
+                  <a:extLst>
+                    <a:ext uri="{A12FA001-AC4F-418D-AE19-62706E023703}">
+                      <ahyp:hlinkClr xmlns:ahyp="http://schemas.microsoft.com/office/drawing/2018/hyperlinkcolor" val="tx"/>
+                    </a:ext>
+                  </a:extLst>
+                </a:hlinkClick>
+              </a:rPr>
+              <a:t>https://spark.apache.org/docs/2.2.0/mllib-collaborative-filtering.html#collaborative-filtering</a:t>
+            </a:r>
+            <a:endParaRPr lang="en-US" altLang="ko-KR" sz="1400" dirty="0">
+              <a:solidFill>
+                <a:schemeClr val="accent3"/>
+              </a:solidFill>
+            </a:endParaRPr>
+          </a:p>
+          <a:p>
+            <a:endParaRPr lang="en-US" altLang="ko-KR" sz="1400" dirty="0">
+              <a:solidFill>
+                <a:schemeClr val="accent3"/>
+              </a:solidFill>
+            </a:endParaRPr>
+          </a:p>
+        </p:txBody>
+      </p:sp>
+    </p:spTree>
+    <p:extLst>
+      <p:ext uri="{BB962C8B-B14F-4D97-AF65-F5344CB8AC3E}">
+        <p14:creationId xmlns:p14="http://schemas.microsoft.com/office/powerpoint/2010/main" val="1684054059"/>
+      </p:ext>
+    </p:extLst>
+  </p:cSld>
+  <p:clrMapOvr>
+    <a:masterClrMapping/>
+  </p:clrMapOvr>
+</p:sld>
+</file>
+
+<file path=ppt/slides/slide15.xml><?xml version="1.0" encoding="utf-8"?>
+<p:sld xmlns:a="http://schemas.openxmlformats.org/drawingml/2006/main" xmlns:r="http://schemas.openxmlformats.org/officeDocument/2006/relationships" xmlns:p="http://schemas.openxmlformats.org/presentationml/2006/main">
+  <p:cSld>
+    <p:spTree>
+      <p:nvGrpSpPr>
+        <p:cNvPr id="1" name=""/>
+        <p:cNvGrpSpPr/>
+        <p:nvPr/>
+      </p:nvGrpSpPr>
+      <p:grpSpPr>
+        <a:xfrm>
+          <a:off x="0" y="0"/>
+          <a:ext cx="0" cy="0"/>
+          <a:chOff x="0" y="0"/>
+          <a:chExt cx="0" cy="0"/>
+        </a:xfrm>
+      </p:grpSpPr>
+      <p:sp>
+        <p:nvSpPr>
+          <p:cNvPr id="2" name="텍스트 개체 틀 1">
+            <a:extLst>
+              <a:ext uri="{FF2B5EF4-FFF2-40B4-BE49-F238E27FC236}">
+                <a16:creationId xmlns:a16="http://schemas.microsoft.com/office/drawing/2014/main" id="{2B901459-C227-4A03-AAB1-55DFAAA69691}"/>
+              </a:ext>
+            </a:extLst>
+          </p:cNvPr>
+          <p:cNvSpPr>
+            <a:spLocks noGrp="1"/>
+          </p:cNvSpPr>
+          <p:nvPr>
+            <p:ph type="body" sz="quarter" idx="10"/>
+          </p:nvPr>
+        </p:nvSpPr>
+        <p:spPr/>
+        <p:txBody>
+          <a:bodyPr/>
+          <a:lstStyle/>
+          <a:p>
+            <a:r>
+              <a:rPr lang="en-US" altLang="ko-KR" dirty="0"/>
+              <a:t>Learning</a:t>
+            </a:r>
+            <a:r>
+              <a:rPr lang="ko-KR" altLang="en-US" dirty="0"/>
+              <a:t> </a:t>
+            </a:r>
+            <a:r>
+              <a:rPr lang="en-US" altLang="ko-KR" dirty="0"/>
+              <a:t>Model</a:t>
+            </a:r>
+            <a:endParaRPr lang="ko-KR" altLang="en-US" dirty="0"/>
+          </a:p>
+        </p:txBody>
+      </p:sp>
+      <p:sp>
+        <p:nvSpPr>
+          <p:cNvPr id="3" name="텍스트 개체 틀 2">
+            <a:extLst>
+              <a:ext uri="{FF2B5EF4-FFF2-40B4-BE49-F238E27FC236}">
+                <a16:creationId xmlns:a16="http://schemas.microsoft.com/office/drawing/2014/main" id="{61806DA3-3D3C-43CD-9640-147B5DDCE33D}"/>
+              </a:ext>
+            </a:extLst>
+          </p:cNvPr>
+          <p:cNvSpPr>
+            <a:spLocks noGrp="1"/>
+          </p:cNvSpPr>
+          <p:nvPr>
+            <p:ph type="body" sz="quarter" idx="11"/>
+          </p:nvPr>
+        </p:nvSpPr>
+        <p:spPr/>
+        <p:txBody>
+          <a:bodyPr/>
+          <a:lstStyle/>
+          <a:p>
+            <a:r>
+              <a:rPr lang="en-US" altLang="ko-KR" dirty="0"/>
+              <a:t>Cold Start Problem</a:t>
+            </a:r>
+            <a:endParaRPr lang="ko-KR" altLang="en-US" dirty="0"/>
+          </a:p>
+        </p:txBody>
+      </p:sp>
+      <p:sp>
+        <p:nvSpPr>
+          <p:cNvPr id="4" name="TextBox 3">
+            <a:extLst>
+              <a:ext uri="{FF2B5EF4-FFF2-40B4-BE49-F238E27FC236}">
+                <a16:creationId xmlns:a16="http://schemas.microsoft.com/office/drawing/2014/main" id="{06C3B1CC-F38B-48C1-80ED-EB1D8DA0E632}"/>
+              </a:ext>
+            </a:extLst>
+          </p:cNvPr>
+          <p:cNvSpPr txBox="1"/>
+          <p:nvPr/>
+        </p:nvSpPr>
+        <p:spPr>
+          <a:xfrm>
+            <a:off x="1907704" y="3400616"/>
+            <a:ext cx="6840760" cy="1600438"/>
+          </a:xfrm>
+          <a:prstGeom prst="rect">
+            <a:avLst/>
+          </a:prstGeom>
+          <a:noFill/>
+        </p:spPr>
+        <p:txBody>
+          <a:bodyPr wrap="square" rtlCol="0">
+            <a:spAutoFit/>
+          </a:bodyPr>
+          <a:lstStyle/>
+          <a:p>
+            <a:r>
+              <a:rPr lang="en-US" altLang="ko-KR" sz="1400" dirty="0">
+                <a:solidFill>
+                  <a:schemeClr val="accent3"/>
+                </a:solidFill>
+              </a:rPr>
+              <a:t>Also, this model doesn’t return the list of recommendation when the player did not played any game.</a:t>
+            </a:r>
+          </a:p>
+          <a:p>
+            <a:endParaRPr lang="en-US" altLang="ko-KR" sz="1400" dirty="0">
+              <a:solidFill>
+                <a:schemeClr val="accent3"/>
+              </a:solidFill>
+            </a:endParaRPr>
+          </a:p>
+          <a:p>
+            <a:r>
+              <a:rPr lang="en-US" altLang="ko-KR" sz="1400" dirty="0">
+                <a:solidFill>
+                  <a:schemeClr val="accent3"/>
+                </a:solidFill>
+              </a:rPr>
+              <a:t>This is Cold Start Problem.</a:t>
+            </a:r>
+          </a:p>
+          <a:p>
+            <a:endParaRPr lang="en-US" altLang="ko-KR" sz="1400" dirty="0">
+              <a:solidFill>
+                <a:schemeClr val="accent3"/>
+              </a:solidFill>
+            </a:endParaRPr>
+          </a:p>
+          <a:p>
+            <a:r>
+              <a:rPr lang="en-US" altLang="ko-KR" sz="1400" dirty="0">
+                <a:solidFill>
+                  <a:schemeClr val="accent3"/>
+                </a:solidFill>
+              </a:rPr>
+              <a:t>To solve this problem, We need to find the game’s that globally popular games. </a:t>
+            </a:r>
+          </a:p>
+          <a:p>
+            <a:endParaRPr lang="en-US" altLang="ko-KR" sz="1400" dirty="0">
+              <a:solidFill>
+                <a:schemeClr val="accent3"/>
+              </a:solidFill>
+            </a:endParaRPr>
+          </a:p>
+        </p:txBody>
+      </p:sp>
+      <p:pic>
+        <p:nvPicPr>
+          <p:cNvPr id="6" name="그림 5" descr="테이블이(가) 표시된 사진&#10;&#10;자동 생성된 설명">
+            <a:extLst>
+              <a:ext uri="{FF2B5EF4-FFF2-40B4-BE49-F238E27FC236}">
+                <a16:creationId xmlns:a16="http://schemas.microsoft.com/office/drawing/2014/main" id="{D3A7724E-9667-4F9D-9364-575983E9A982}"/>
+              </a:ext>
+            </a:extLst>
+          </p:cNvPr>
+          <p:cNvPicPr>
+            <a:picLocks noChangeAspect="1"/>
+          </p:cNvPicPr>
+          <p:nvPr/>
+        </p:nvPicPr>
+        <p:blipFill>
+          <a:blip r:embed="rId2">
+            <a:extLst>
+              <a:ext uri="{28A0092B-C50C-407E-A947-70E740481C1C}">
+                <a14:useLocalDpi xmlns:a14="http://schemas.microsoft.com/office/drawing/2010/main" val="0"/>
+              </a:ext>
+            </a:extLst>
+          </a:blip>
+          <a:stretch>
+            <a:fillRect/>
+          </a:stretch>
+        </p:blipFill>
+        <p:spPr>
+          <a:xfrm>
+            <a:off x="3707904" y="1275606"/>
+            <a:ext cx="2591162" cy="2152950"/>
+          </a:xfrm>
+          <a:prstGeom prst="rect">
+            <a:avLst/>
+          </a:prstGeom>
+        </p:spPr>
+      </p:pic>
+    </p:spTree>
+    <p:extLst>
+      <p:ext uri="{BB962C8B-B14F-4D97-AF65-F5344CB8AC3E}">
+        <p14:creationId xmlns:p14="http://schemas.microsoft.com/office/powerpoint/2010/main" val="2515419256"/>
+      </p:ext>
+    </p:extLst>
+  </p:cSld>
+  <p:clrMapOvr>
+    <a:masterClrMapping/>
+  </p:clrMapOvr>
+</p:sld>
+</file>
+
+<file path=ppt/slides/slide16.xml><?xml version="1.0" encoding="utf-8"?>
+<p:sld xmlns:a="http://schemas.openxmlformats.org/drawingml/2006/main" xmlns:r="http://schemas.openxmlformats.org/officeDocument/2006/relationships" xmlns:p="http://schemas.openxmlformats.org/presentationml/2006/main">
+  <p:cSld>
+    <p:spTree>
+      <p:nvGrpSpPr>
+        <p:cNvPr id="1" name=""/>
+        <p:cNvGrpSpPr/>
+        <p:nvPr/>
+      </p:nvGrpSpPr>
+      <p:grpSpPr>
+        <a:xfrm>
+          <a:off x="0" y="0"/>
+          <a:ext cx="0" cy="0"/>
+          <a:chOff x="0" y="0"/>
+          <a:chExt cx="0" cy="0"/>
+        </a:xfrm>
+      </p:grpSpPr>
+      <p:sp>
+        <p:nvSpPr>
+          <p:cNvPr id="2" name="텍스트 개체 틀 1">
+            <a:extLst>
+              <a:ext uri="{FF2B5EF4-FFF2-40B4-BE49-F238E27FC236}">
+                <a16:creationId xmlns:a16="http://schemas.microsoft.com/office/drawing/2014/main" id="{2B901459-C227-4A03-AAB1-55DFAAA69691}"/>
+              </a:ext>
+            </a:extLst>
+          </p:cNvPr>
+          <p:cNvSpPr>
+            <a:spLocks noGrp="1"/>
+          </p:cNvSpPr>
+          <p:nvPr>
+            <p:ph type="body" sz="quarter" idx="10"/>
+          </p:nvPr>
+        </p:nvSpPr>
+        <p:spPr/>
+        <p:txBody>
+          <a:bodyPr/>
+          <a:lstStyle/>
+          <a:p>
+            <a:r>
+              <a:rPr lang="en-US" altLang="ko-KR" dirty="0"/>
+              <a:t>Learning</a:t>
+            </a:r>
+            <a:r>
+              <a:rPr lang="ko-KR" altLang="en-US" dirty="0"/>
+              <a:t> </a:t>
+            </a:r>
+            <a:r>
+              <a:rPr lang="en-US" altLang="ko-KR" dirty="0"/>
+              <a:t>Model</a:t>
+            </a:r>
+            <a:endParaRPr lang="ko-KR" altLang="en-US" dirty="0"/>
+          </a:p>
+        </p:txBody>
+      </p:sp>
+      <p:sp>
+        <p:nvSpPr>
+          <p:cNvPr id="3" name="텍스트 개체 틀 2">
+            <a:extLst>
+              <a:ext uri="{FF2B5EF4-FFF2-40B4-BE49-F238E27FC236}">
+                <a16:creationId xmlns:a16="http://schemas.microsoft.com/office/drawing/2014/main" id="{61806DA3-3D3C-43CD-9640-147B5DDCE33D}"/>
+              </a:ext>
+            </a:extLst>
+          </p:cNvPr>
+          <p:cNvSpPr>
+            <a:spLocks noGrp="1"/>
+          </p:cNvSpPr>
+          <p:nvPr>
+            <p:ph type="body" sz="quarter" idx="11"/>
+          </p:nvPr>
+        </p:nvSpPr>
+        <p:spPr/>
+        <p:txBody>
+          <a:bodyPr/>
+          <a:lstStyle/>
+          <a:p>
+            <a:r>
+              <a:rPr lang="en-US" altLang="ko-KR" dirty="0"/>
+              <a:t>2 Way Recommendation</a:t>
+            </a:r>
+            <a:endParaRPr lang="ko-KR" altLang="en-US" dirty="0"/>
+          </a:p>
+        </p:txBody>
+      </p:sp>
+      <p:sp>
+        <p:nvSpPr>
+          <p:cNvPr id="4" name="TextBox 3">
+            <a:extLst>
+              <a:ext uri="{FF2B5EF4-FFF2-40B4-BE49-F238E27FC236}">
+                <a16:creationId xmlns:a16="http://schemas.microsoft.com/office/drawing/2014/main" id="{06C3B1CC-F38B-48C1-80ED-EB1D8DA0E632}"/>
+              </a:ext>
+            </a:extLst>
+          </p:cNvPr>
+          <p:cNvSpPr txBox="1"/>
+          <p:nvPr/>
+        </p:nvSpPr>
+        <p:spPr>
+          <a:xfrm>
+            <a:off x="1907704" y="3204140"/>
+            <a:ext cx="6840760" cy="1815882"/>
+          </a:xfrm>
+          <a:prstGeom prst="rect">
+            <a:avLst/>
+          </a:prstGeom>
+          <a:noFill/>
+        </p:spPr>
+        <p:txBody>
+          <a:bodyPr wrap="square" rtlCol="0">
+            <a:spAutoFit/>
+          </a:bodyPr>
+          <a:lstStyle/>
+          <a:p>
+            <a:r>
+              <a:rPr lang="en-US" altLang="ko-KR" sz="1400" dirty="0">
+                <a:solidFill>
+                  <a:schemeClr val="accent3"/>
+                </a:solidFill>
+              </a:rPr>
+              <a:t>And also, steam’s </a:t>
+            </a:r>
+            <a:r>
+              <a:rPr lang="en-US" altLang="ko-KR" sz="1400" dirty="0" err="1">
+                <a:solidFill>
+                  <a:schemeClr val="accent3"/>
+                </a:solidFill>
+              </a:rPr>
+              <a:t>api</a:t>
+            </a:r>
+            <a:r>
+              <a:rPr lang="en-US" altLang="ko-KR" sz="1400" dirty="0">
+                <a:solidFill>
+                  <a:schemeClr val="accent3"/>
+                </a:solidFill>
+              </a:rPr>
+              <a:t> offers some information about game play time in recent 2 weeks.</a:t>
+            </a:r>
+          </a:p>
+          <a:p>
+            <a:r>
+              <a:rPr lang="en-US" altLang="ko-KR" sz="1400" dirty="0">
+                <a:solidFill>
+                  <a:schemeClr val="accent3"/>
+                </a:solidFill>
+              </a:rPr>
+              <a:t>Life-time played time is also important because this prefers that user’s love on that game.</a:t>
+            </a:r>
+          </a:p>
+          <a:p>
+            <a:r>
+              <a:rPr lang="en-US" altLang="ko-KR" sz="1400" dirty="0">
+                <a:solidFill>
+                  <a:schemeClr val="accent3"/>
+                </a:solidFill>
+              </a:rPr>
+              <a:t>But recent-2week information is also important that this user recently interested in this recent-played game.</a:t>
+            </a:r>
+          </a:p>
+          <a:p>
+            <a:endParaRPr lang="en-US" altLang="ko-KR" sz="1400" dirty="0">
+              <a:solidFill>
+                <a:schemeClr val="accent3"/>
+              </a:solidFill>
+            </a:endParaRPr>
+          </a:p>
+          <a:p>
+            <a:r>
+              <a:rPr lang="en-US" altLang="ko-KR" sz="1400" dirty="0">
+                <a:solidFill>
+                  <a:schemeClr val="accent3"/>
+                </a:solidFill>
+              </a:rPr>
+              <a:t>So, Our system offers 2-way recommendation about game.</a:t>
+            </a:r>
+          </a:p>
+        </p:txBody>
+      </p:sp>
+      <p:pic>
+        <p:nvPicPr>
+          <p:cNvPr id="7" name="그림 6" descr="텍스트이(가) 표시된 사진&#10;&#10;자동 생성된 설명">
+            <a:extLst>
+              <a:ext uri="{FF2B5EF4-FFF2-40B4-BE49-F238E27FC236}">
+                <a16:creationId xmlns:a16="http://schemas.microsoft.com/office/drawing/2014/main" id="{93B55258-94B8-4DB7-A321-B475E0FA5C08}"/>
+              </a:ext>
+            </a:extLst>
+          </p:cNvPr>
+          <p:cNvPicPr>
+            <a:picLocks noChangeAspect="1"/>
+          </p:cNvPicPr>
+          <p:nvPr/>
+        </p:nvPicPr>
+        <p:blipFill>
+          <a:blip r:embed="rId2">
+            <a:extLst>
+              <a:ext uri="{28A0092B-C50C-407E-A947-70E740481C1C}">
+                <a14:useLocalDpi xmlns:a14="http://schemas.microsoft.com/office/drawing/2010/main" val="0"/>
+              </a:ext>
+            </a:extLst>
+          </a:blip>
+          <a:stretch>
+            <a:fillRect/>
+          </a:stretch>
+        </p:blipFill>
+        <p:spPr>
+          <a:xfrm>
+            <a:off x="2741412" y="1131590"/>
+            <a:ext cx="2010600" cy="1928534"/>
+          </a:xfrm>
+          <a:prstGeom prst="rect">
+            <a:avLst/>
+          </a:prstGeom>
+        </p:spPr>
+      </p:pic>
+      <p:pic>
+        <p:nvPicPr>
+          <p:cNvPr id="9" name="그림 8" descr="텍스트이(가) 표시된 사진&#10;&#10;자동 생성된 설명">
+            <a:extLst>
+              <a:ext uri="{FF2B5EF4-FFF2-40B4-BE49-F238E27FC236}">
+                <a16:creationId xmlns:a16="http://schemas.microsoft.com/office/drawing/2014/main" id="{76E598BA-32A5-4353-814A-16721A70E0E5}"/>
+              </a:ext>
+            </a:extLst>
+          </p:cNvPr>
+          <p:cNvPicPr>
+            <a:picLocks noChangeAspect="1"/>
+          </p:cNvPicPr>
+          <p:nvPr/>
+        </p:nvPicPr>
+        <p:blipFill>
+          <a:blip r:embed="rId3">
+            <a:extLst>
+              <a:ext uri="{28A0092B-C50C-407E-A947-70E740481C1C}">
+                <a14:useLocalDpi xmlns:a14="http://schemas.microsoft.com/office/drawing/2010/main" val="0"/>
+              </a:ext>
+            </a:extLst>
+          </a:blip>
+          <a:stretch>
+            <a:fillRect/>
+          </a:stretch>
+        </p:blipFill>
+        <p:spPr>
+          <a:xfrm>
+            <a:off x="5220072" y="1125406"/>
+            <a:ext cx="2018044" cy="1928534"/>
+          </a:xfrm>
+          <a:prstGeom prst="rect">
+            <a:avLst/>
+          </a:prstGeom>
+        </p:spPr>
+      </p:pic>
+    </p:spTree>
+    <p:extLst>
+      <p:ext uri="{BB962C8B-B14F-4D97-AF65-F5344CB8AC3E}">
+        <p14:creationId xmlns:p14="http://schemas.microsoft.com/office/powerpoint/2010/main" val="3893382921"/>
+      </p:ext>
+    </p:extLst>
+  </p:cSld>
+  <p:clrMapOvr>
+    <a:masterClrMapping/>
+  </p:clrMapOvr>
+</p:sld>
+</file>
+
+<file path=ppt/slides/slide17.xml><?xml version="1.0" encoding="utf-8"?>
+<p:sld xmlns:a="http://schemas.openxmlformats.org/drawingml/2006/main" xmlns:r="http://schemas.openxmlformats.org/officeDocument/2006/relationships" xmlns:p="http://schemas.openxmlformats.org/presentationml/2006/main">
+  <p:cSld>
+    <p:spTree>
+      <p:nvGrpSpPr>
+        <p:cNvPr id="1" name=""/>
+        <p:cNvGrpSpPr/>
+        <p:nvPr/>
+      </p:nvGrpSpPr>
+      <p:grpSpPr>
+        <a:xfrm>
+          <a:off x="0" y="0"/>
+          <a:ext cx="0" cy="0"/>
+          <a:chOff x="0" y="0"/>
+          <a:chExt cx="0" cy="0"/>
+        </a:xfrm>
+      </p:grpSpPr>
+      <p:sp>
+        <p:nvSpPr>
           <p:cNvPr id="2" name="Text Placeholder 1"/>
           <p:cNvSpPr>
             <a:spLocks noGrp="1"/>
@@ -5863,7 +7130,2061 @@
 </p:sld>
 </file>
 
-<file path=ppt/slides/slide13.xml><?xml version="1.0" encoding="utf-8"?>
+<file path=ppt/slides/slide18.xml><?xml version="1.0" encoding="utf-8"?>
+<p:sld xmlns:a="http://schemas.openxmlformats.org/drawingml/2006/main" xmlns:r="http://schemas.openxmlformats.org/officeDocument/2006/relationships" xmlns:p="http://schemas.openxmlformats.org/presentationml/2006/main">
+  <p:cSld>
+    <p:spTree>
+      <p:nvGrpSpPr>
+        <p:cNvPr id="1" name=""/>
+        <p:cNvGrpSpPr/>
+        <p:nvPr/>
+      </p:nvGrpSpPr>
+      <p:grpSpPr>
+        <a:xfrm>
+          <a:off x="0" y="0"/>
+          <a:ext cx="0" cy="0"/>
+          <a:chOff x="0" y="0"/>
+          <a:chExt cx="0" cy="0"/>
+        </a:xfrm>
+      </p:grpSpPr>
+      <p:sp>
+        <p:nvSpPr>
+          <p:cNvPr id="2" name="텍스트 개체 틀 1">
+            <a:extLst>
+              <a:ext uri="{FF2B5EF4-FFF2-40B4-BE49-F238E27FC236}">
+                <a16:creationId xmlns:a16="http://schemas.microsoft.com/office/drawing/2014/main" id="{2B901459-C227-4A03-AAB1-55DFAAA69691}"/>
+              </a:ext>
+            </a:extLst>
+          </p:cNvPr>
+          <p:cNvSpPr>
+            <a:spLocks noGrp="1"/>
+          </p:cNvSpPr>
+          <p:nvPr>
+            <p:ph type="body" sz="quarter" idx="10"/>
+          </p:nvPr>
+        </p:nvSpPr>
+        <p:spPr/>
+        <p:txBody>
+          <a:bodyPr/>
+          <a:lstStyle/>
+          <a:p>
+            <a:r>
+              <a:rPr lang="en-US" altLang="ko-KR" dirty="0"/>
+              <a:t>Recommendation Result</a:t>
+            </a:r>
+            <a:endParaRPr lang="ko-KR" altLang="en-US" dirty="0"/>
+          </a:p>
+        </p:txBody>
+      </p:sp>
+      <p:sp>
+        <p:nvSpPr>
+          <p:cNvPr id="3" name="텍스트 개체 틀 2">
+            <a:extLst>
+              <a:ext uri="{FF2B5EF4-FFF2-40B4-BE49-F238E27FC236}">
+                <a16:creationId xmlns:a16="http://schemas.microsoft.com/office/drawing/2014/main" id="{61806DA3-3D3C-43CD-9640-147B5DDCE33D}"/>
+              </a:ext>
+            </a:extLst>
+          </p:cNvPr>
+          <p:cNvSpPr>
+            <a:spLocks noGrp="1"/>
+          </p:cNvSpPr>
+          <p:nvPr>
+            <p:ph type="body" sz="quarter" idx="11"/>
+          </p:nvPr>
+        </p:nvSpPr>
+        <p:spPr/>
+        <p:txBody>
+          <a:bodyPr/>
+          <a:lstStyle/>
+          <a:p>
+            <a:r>
+              <a:rPr lang="en-US" altLang="ko-KR" dirty="0"/>
+              <a:t>Result Example</a:t>
+            </a:r>
+            <a:endParaRPr lang="ko-KR" altLang="en-US" dirty="0"/>
+          </a:p>
+        </p:txBody>
+      </p:sp>
+      <p:sp>
+        <p:nvSpPr>
+          <p:cNvPr id="4" name="TextBox 3">
+            <a:extLst>
+              <a:ext uri="{FF2B5EF4-FFF2-40B4-BE49-F238E27FC236}">
+                <a16:creationId xmlns:a16="http://schemas.microsoft.com/office/drawing/2014/main" id="{06C3B1CC-F38B-48C1-80ED-EB1D8DA0E632}"/>
+              </a:ext>
+            </a:extLst>
+          </p:cNvPr>
+          <p:cNvSpPr txBox="1"/>
+          <p:nvPr/>
+        </p:nvSpPr>
+        <p:spPr>
+          <a:xfrm>
+            <a:off x="1907704" y="3419584"/>
+            <a:ext cx="6840760" cy="1600438"/>
+          </a:xfrm>
+          <a:prstGeom prst="rect">
+            <a:avLst/>
+          </a:prstGeom>
+          <a:noFill/>
+        </p:spPr>
+        <p:txBody>
+          <a:bodyPr wrap="square" rtlCol="0">
+            <a:spAutoFit/>
+          </a:bodyPr>
+          <a:lstStyle/>
+          <a:p>
+            <a:r>
+              <a:rPr lang="en-US" altLang="ko-KR" sz="1400" dirty="0">
+                <a:solidFill>
+                  <a:schemeClr val="accent3"/>
+                </a:solidFill>
+              </a:rPr>
+              <a:t>Our system offers simple format of recommendation set.</a:t>
+            </a:r>
+          </a:p>
+          <a:p>
+            <a:r>
+              <a:rPr lang="en-US" altLang="ko-KR" sz="1400" dirty="0">
+                <a:solidFill>
+                  <a:schemeClr val="accent3"/>
+                </a:solidFill>
+              </a:rPr>
+              <a:t>Result set contains all user’s recommendation and if you have </a:t>
+            </a:r>
+            <a:r>
+              <a:rPr lang="en-US" altLang="ko-KR" sz="1400" dirty="0" err="1">
+                <a:solidFill>
+                  <a:schemeClr val="accent3"/>
+                </a:solidFill>
+              </a:rPr>
+              <a:t>rdd</a:t>
+            </a:r>
+            <a:r>
+              <a:rPr lang="en-US" altLang="ko-KR" sz="1400" dirty="0">
+                <a:solidFill>
+                  <a:schemeClr val="accent3"/>
+                </a:solidFill>
+              </a:rPr>
+              <a:t> about </a:t>
+            </a:r>
+            <a:r>
+              <a:rPr lang="en-US" altLang="ko-KR" sz="1400" dirty="0" err="1">
+                <a:solidFill>
+                  <a:schemeClr val="accent3"/>
+                </a:solidFill>
+              </a:rPr>
+              <a:t>game_id</a:t>
+            </a:r>
+            <a:r>
+              <a:rPr lang="en-US" altLang="ko-KR" sz="1400" dirty="0">
+                <a:solidFill>
+                  <a:schemeClr val="accent3"/>
+                </a:solidFill>
+              </a:rPr>
+              <a:t> or </a:t>
+            </a:r>
+            <a:r>
+              <a:rPr lang="en-US" altLang="ko-KR" sz="1400" dirty="0" err="1">
+                <a:solidFill>
+                  <a:schemeClr val="accent3"/>
+                </a:solidFill>
+              </a:rPr>
+              <a:t>user_idx</a:t>
+            </a:r>
+            <a:r>
+              <a:rPr lang="en-US" altLang="ko-KR" sz="1400" dirty="0">
+                <a:solidFill>
+                  <a:schemeClr val="accent3"/>
+                </a:solidFill>
+              </a:rPr>
+              <a:t> you can easily find the recommendations.</a:t>
+            </a:r>
+          </a:p>
+          <a:p>
+            <a:endParaRPr lang="en-US" altLang="ko-KR" sz="1400" dirty="0">
+              <a:solidFill>
+                <a:schemeClr val="accent3"/>
+              </a:solidFill>
+            </a:endParaRPr>
+          </a:p>
+          <a:p>
+            <a:r>
+              <a:rPr lang="en-US" altLang="ko-KR" sz="1400" dirty="0">
+                <a:solidFill>
+                  <a:schemeClr val="accent3"/>
+                </a:solidFill>
+              </a:rPr>
+              <a:t>This is filed into JSON</a:t>
+            </a:r>
+          </a:p>
+          <a:p>
+            <a:r>
+              <a:rPr lang="en-US" altLang="ko-KR" sz="1400" dirty="0">
+                <a:solidFill>
+                  <a:schemeClr val="accent3"/>
+                </a:solidFill>
+              </a:rPr>
+              <a:t>You can find it in our </a:t>
+            </a:r>
+            <a:r>
+              <a:rPr lang="en-US" altLang="ko-KR" sz="1400" dirty="0" err="1">
+                <a:solidFill>
+                  <a:schemeClr val="accent3"/>
+                </a:solidFill>
+              </a:rPr>
+              <a:t>github</a:t>
+            </a:r>
+            <a:r>
+              <a:rPr lang="en-US" altLang="ko-KR" sz="1400" dirty="0">
+                <a:solidFill>
+                  <a:schemeClr val="accent3"/>
+                </a:solidFill>
+              </a:rPr>
+              <a:t> : </a:t>
+            </a:r>
+          </a:p>
+          <a:p>
+            <a:r>
+              <a:rPr lang="en-US" altLang="ko-KR" sz="1400" dirty="0">
+                <a:solidFill>
+                  <a:schemeClr val="accent3"/>
+                </a:solidFill>
+                <a:hlinkClick r:id="rId2">
+                  <a:extLst>
+                    <a:ext uri="{A12FA001-AC4F-418D-AE19-62706E023703}">
+                      <ahyp:hlinkClr xmlns:ahyp="http://schemas.microsoft.com/office/drawing/2018/hyperlinkcolor" val="tx"/>
+                    </a:ext>
+                  </a:extLst>
+                </a:hlinkClick>
+              </a:rPr>
+              <a:t>https://github.com/yusa-imit/cse20_bigdata_recommender/tree/main/results</a:t>
+            </a:r>
+            <a:endParaRPr lang="en-US" altLang="ko-KR" sz="1400" dirty="0">
+              <a:solidFill>
+                <a:schemeClr val="accent3"/>
+              </a:solidFill>
+            </a:endParaRPr>
+          </a:p>
+        </p:txBody>
+      </p:sp>
+      <p:pic>
+        <p:nvPicPr>
+          <p:cNvPr id="6" name="그림 5" descr="테이블이(가) 표시된 사진&#10;&#10;자동 생성된 설명">
+            <a:extLst>
+              <a:ext uri="{FF2B5EF4-FFF2-40B4-BE49-F238E27FC236}">
+                <a16:creationId xmlns:a16="http://schemas.microsoft.com/office/drawing/2014/main" id="{E1D0FBEC-FC82-4C2B-94AE-1122B8200295}"/>
+              </a:ext>
+            </a:extLst>
+          </p:cNvPr>
+          <p:cNvPicPr>
+            <a:picLocks noChangeAspect="1"/>
+          </p:cNvPicPr>
+          <p:nvPr/>
+        </p:nvPicPr>
+        <p:blipFill>
+          <a:blip r:embed="rId3">
+            <a:extLst>
+              <a:ext uri="{28A0092B-C50C-407E-A947-70E740481C1C}">
+                <a14:useLocalDpi xmlns:a14="http://schemas.microsoft.com/office/drawing/2010/main" val="0"/>
+              </a:ext>
+            </a:extLst>
+          </a:blip>
+          <a:stretch>
+            <a:fillRect/>
+          </a:stretch>
+        </p:blipFill>
+        <p:spPr>
+          <a:xfrm>
+            <a:off x="2915816" y="1103284"/>
+            <a:ext cx="1609950" cy="2105319"/>
+          </a:xfrm>
+          <a:prstGeom prst="rect">
+            <a:avLst/>
+          </a:prstGeom>
+        </p:spPr>
+      </p:pic>
+      <p:pic>
+        <p:nvPicPr>
+          <p:cNvPr id="10" name="그림 9" descr="테이블이(가) 표시된 사진&#10;&#10;자동 생성된 설명">
+            <a:extLst>
+              <a:ext uri="{FF2B5EF4-FFF2-40B4-BE49-F238E27FC236}">
+                <a16:creationId xmlns:a16="http://schemas.microsoft.com/office/drawing/2014/main" id="{448C8552-2A08-4064-99E4-27BD2E1503D4}"/>
+              </a:ext>
+            </a:extLst>
+          </p:cNvPr>
+          <p:cNvPicPr>
+            <a:picLocks noChangeAspect="1"/>
+          </p:cNvPicPr>
+          <p:nvPr/>
+        </p:nvPicPr>
+        <p:blipFill>
+          <a:blip r:embed="rId4">
+            <a:extLst>
+              <a:ext uri="{28A0092B-C50C-407E-A947-70E740481C1C}">
+                <a14:useLocalDpi xmlns:a14="http://schemas.microsoft.com/office/drawing/2010/main" val="0"/>
+              </a:ext>
+            </a:extLst>
+          </a:blip>
+          <a:stretch>
+            <a:fillRect/>
+          </a:stretch>
+        </p:blipFill>
+        <p:spPr>
+          <a:xfrm>
+            <a:off x="5453844" y="1066948"/>
+            <a:ext cx="1600423" cy="2114845"/>
+          </a:xfrm>
+          <a:prstGeom prst="rect">
+            <a:avLst/>
+          </a:prstGeom>
+        </p:spPr>
+      </p:pic>
+    </p:spTree>
+    <p:extLst>
+      <p:ext uri="{BB962C8B-B14F-4D97-AF65-F5344CB8AC3E}">
+        <p14:creationId xmlns:p14="http://schemas.microsoft.com/office/powerpoint/2010/main" val="2884859470"/>
+      </p:ext>
+    </p:extLst>
+  </p:cSld>
+  <p:clrMapOvr>
+    <a:masterClrMapping/>
+  </p:clrMapOvr>
+</p:sld>
+</file>
+
+<file path=ppt/slides/slide19.xml><?xml version="1.0" encoding="utf-8"?>
+<p:sld xmlns:a="http://schemas.openxmlformats.org/drawingml/2006/main" xmlns:r="http://schemas.openxmlformats.org/officeDocument/2006/relationships" xmlns:p="http://schemas.openxmlformats.org/presentationml/2006/main">
+  <p:cSld>
+    <p:spTree>
+      <p:nvGrpSpPr>
+        <p:cNvPr id="1" name=""/>
+        <p:cNvGrpSpPr/>
+        <p:nvPr/>
+      </p:nvGrpSpPr>
+      <p:grpSpPr>
+        <a:xfrm>
+          <a:off x="0" y="0"/>
+          <a:ext cx="0" cy="0"/>
+          <a:chOff x="0" y="0"/>
+          <a:chExt cx="0" cy="0"/>
+        </a:xfrm>
+      </p:grpSpPr>
+      <p:sp>
+        <p:nvSpPr>
+          <p:cNvPr id="2" name="텍스트 개체 틀 1">
+            <a:extLst>
+              <a:ext uri="{FF2B5EF4-FFF2-40B4-BE49-F238E27FC236}">
+                <a16:creationId xmlns:a16="http://schemas.microsoft.com/office/drawing/2014/main" id="{2B901459-C227-4A03-AAB1-55DFAAA69691}"/>
+              </a:ext>
+            </a:extLst>
+          </p:cNvPr>
+          <p:cNvSpPr>
+            <a:spLocks noGrp="1"/>
+          </p:cNvSpPr>
+          <p:nvPr>
+            <p:ph type="body" sz="quarter" idx="10"/>
+          </p:nvPr>
+        </p:nvSpPr>
+        <p:spPr/>
+        <p:txBody>
+          <a:bodyPr/>
+          <a:lstStyle/>
+          <a:p>
+            <a:r>
+              <a:rPr lang="en-US" altLang="ko-KR" dirty="0"/>
+              <a:t>Recommendation Result</a:t>
+            </a:r>
+            <a:endParaRPr lang="ko-KR" altLang="en-US" dirty="0"/>
+          </a:p>
+        </p:txBody>
+      </p:sp>
+      <p:sp>
+        <p:nvSpPr>
+          <p:cNvPr id="3" name="텍스트 개체 틀 2">
+            <a:extLst>
+              <a:ext uri="{FF2B5EF4-FFF2-40B4-BE49-F238E27FC236}">
+                <a16:creationId xmlns:a16="http://schemas.microsoft.com/office/drawing/2014/main" id="{61806DA3-3D3C-43CD-9640-147B5DDCE33D}"/>
+              </a:ext>
+            </a:extLst>
+          </p:cNvPr>
+          <p:cNvSpPr>
+            <a:spLocks noGrp="1"/>
+          </p:cNvSpPr>
+          <p:nvPr>
+            <p:ph type="body" sz="quarter" idx="11"/>
+          </p:nvPr>
+        </p:nvSpPr>
+        <p:spPr/>
+        <p:txBody>
+          <a:bodyPr/>
+          <a:lstStyle/>
+          <a:p>
+            <a:r>
+              <a:rPr lang="en-US" altLang="ko-KR" dirty="0"/>
+              <a:t>Result Example</a:t>
+            </a:r>
+            <a:endParaRPr lang="ko-KR" altLang="en-US" dirty="0"/>
+          </a:p>
+        </p:txBody>
+      </p:sp>
+      <p:sp>
+        <p:nvSpPr>
+          <p:cNvPr id="4" name="TextBox 3">
+            <a:extLst>
+              <a:ext uri="{FF2B5EF4-FFF2-40B4-BE49-F238E27FC236}">
+                <a16:creationId xmlns:a16="http://schemas.microsoft.com/office/drawing/2014/main" id="{06C3B1CC-F38B-48C1-80ED-EB1D8DA0E632}"/>
+              </a:ext>
+            </a:extLst>
+          </p:cNvPr>
+          <p:cNvSpPr txBox="1"/>
+          <p:nvPr/>
+        </p:nvSpPr>
+        <p:spPr>
+          <a:xfrm>
+            <a:off x="1907704" y="3707220"/>
+            <a:ext cx="6840760" cy="1600438"/>
+          </a:xfrm>
+          <a:prstGeom prst="rect">
+            <a:avLst/>
+          </a:prstGeom>
+          <a:noFill/>
+        </p:spPr>
+        <p:txBody>
+          <a:bodyPr wrap="square" rtlCol="0">
+            <a:spAutoFit/>
+          </a:bodyPr>
+          <a:lstStyle/>
+          <a:p>
+            <a:r>
+              <a:rPr lang="en-US" altLang="ko-KR" sz="1400" dirty="0">
+                <a:solidFill>
+                  <a:schemeClr val="accent3"/>
+                </a:solidFill>
+              </a:rPr>
+              <a:t>Our system also offers complicate version of result sets.</a:t>
+            </a:r>
+          </a:p>
+          <a:p>
+            <a:r>
+              <a:rPr lang="en-US" altLang="ko-KR" sz="1400" dirty="0">
+                <a:solidFill>
+                  <a:schemeClr val="accent3"/>
+                </a:solidFill>
+              </a:rPr>
+              <a:t>Which have pretty much information of both users and games.</a:t>
+            </a:r>
+          </a:p>
+          <a:p>
+            <a:endParaRPr lang="en-US" altLang="ko-KR" sz="1400" dirty="0">
+              <a:solidFill>
+                <a:schemeClr val="accent3"/>
+              </a:solidFill>
+            </a:endParaRPr>
+          </a:p>
+          <a:p>
+            <a:r>
+              <a:rPr lang="en-US" altLang="ko-KR" sz="1400" dirty="0">
+                <a:solidFill>
+                  <a:schemeClr val="accent3"/>
+                </a:solidFill>
+              </a:rPr>
+              <a:t>This also filed into JSON but it is shred into 100~ish files.</a:t>
+            </a:r>
+          </a:p>
+          <a:p>
+            <a:r>
+              <a:rPr lang="en-US" altLang="ko-KR" sz="1400" dirty="0">
+                <a:solidFill>
+                  <a:schemeClr val="accent3"/>
+                </a:solidFill>
+              </a:rPr>
+              <a:t>You can find it in our </a:t>
+            </a:r>
+            <a:r>
+              <a:rPr lang="en-US" altLang="ko-KR" sz="1400" dirty="0" err="1">
+                <a:solidFill>
+                  <a:schemeClr val="accent3"/>
+                </a:solidFill>
+              </a:rPr>
+              <a:t>github</a:t>
+            </a:r>
+            <a:r>
+              <a:rPr lang="en-US" altLang="ko-KR" sz="1400" dirty="0">
+                <a:solidFill>
+                  <a:schemeClr val="accent3"/>
+                </a:solidFill>
+              </a:rPr>
+              <a:t> : </a:t>
+            </a:r>
+          </a:p>
+          <a:p>
+            <a:r>
+              <a:rPr lang="en-US" altLang="ko-KR" sz="1400" dirty="0">
+                <a:solidFill>
+                  <a:schemeClr val="accent3"/>
+                </a:solidFill>
+                <a:hlinkClick r:id="rId2">
+                  <a:extLst>
+                    <a:ext uri="{A12FA001-AC4F-418D-AE19-62706E023703}">
+                      <ahyp:hlinkClr xmlns:ahyp="http://schemas.microsoft.com/office/drawing/2018/hyperlinkcolor" val="tx"/>
+                    </a:ext>
+                  </a:extLst>
+                </a:hlinkClick>
+              </a:rPr>
+              <a:t>https://github.com/yusa-imit/cse20_bigdata_recommender/tree/main/results</a:t>
+            </a:r>
+            <a:endParaRPr lang="en-US" altLang="ko-KR" sz="1400" dirty="0">
+              <a:solidFill>
+                <a:schemeClr val="accent3"/>
+              </a:solidFill>
+            </a:endParaRPr>
+          </a:p>
+          <a:p>
+            <a:endParaRPr lang="en-US" altLang="ko-KR" sz="1400" dirty="0">
+              <a:solidFill>
+                <a:schemeClr val="accent3"/>
+              </a:solidFill>
+            </a:endParaRPr>
+          </a:p>
+        </p:txBody>
+      </p:sp>
+      <p:pic>
+        <p:nvPicPr>
+          <p:cNvPr id="7" name="그림 6" descr="텍스트이(가) 표시된 사진&#10;&#10;자동 생성된 설명">
+            <a:extLst>
+              <a:ext uri="{FF2B5EF4-FFF2-40B4-BE49-F238E27FC236}">
+                <a16:creationId xmlns:a16="http://schemas.microsoft.com/office/drawing/2014/main" id="{D14DAAC8-DF40-41CB-B300-CE3D5A7BF3CE}"/>
+              </a:ext>
+            </a:extLst>
+          </p:cNvPr>
+          <p:cNvPicPr>
+            <a:picLocks noChangeAspect="1"/>
+          </p:cNvPicPr>
+          <p:nvPr/>
+        </p:nvPicPr>
+        <p:blipFill>
+          <a:blip r:embed="rId3">
+            <a:extLst>
+              <a:ext uri="{28A0092B-C50C-407E-A947-70E740481C1C}">
+                <a14:useLocalDpi xmlns:a14="http://schemas.microsoft.com/office/drawing/2010/main" val="0"/>
+              </a:ext>
+            </a:extLst>
+          </a:blip>
+          <a:stretch>
+            <a:fillRect/>
+          </a:stretch>
+        </p:blipFill>
+        <p:spPr>
+          <a:xfrm>
+            <a:off x="3239852" y="744761"/>
+            <a:ext cx="3953864" cy="1247117"/>
+          </a:xfrm>
+          <a:prstGeom prst="rect">
+            <a:avLst/>
+          </a:prstGeom>
+        </p:spPr>
+      </p:pic>
+      <p:pic>
+        <p:nvPicPr>
+          <p:cNvPr id="9" name="그림 8" descr="텍스트이(가) 표시된 사진&#10;&#10;자동 생성된 설명">
+            <a:extLst>
+              <a:ext uri="{FF2B5EF4-FFF2-40B4-BE49-F238E27FC236}">
+                <a16:creationId xmlns:a16="http://schemas.microsoft.com/office/drawing/2014/main" id="{5F8EF228-81D0-4732-A0E2-F8EF8F6B4157}"/>
+              </a:ext>
+            </a:extLst>
+          </p:cNvPr>
+          <p:cNvPicPr>
+            <a:picLocks noChangeAspect="1"/>
+          </p:cNvPicPr>
+          <p:nvPr/>
+        </p:nvPicPr>
+        <p:blipFill>
+          <a:blip r:embed="rId4">
+            <a:extLst>
+              <a:ext uri="{28A0092B-C50C-407E-A947-70E740481C1C}">
+                <a14:useLocalDpi xmlns:a14="http://schemas.microsoft.com/office/drawing/2010/main" val="0"/>
+              </a:ext>
+            </a:extLst>
+          </a:blip>
+          <a:stretch>
+            <a:fillRect/>
+          </a:stretch>
+        </p:blipFill>
+        <p:spPr>
+          <a:xfrm>
+            <a:off x="3239852" y="1991878"/>
+            <a:ext cx="3960440" cy="1247117"/>
+          </a:xfrm>
+          <a:prstGeom prst="rect">
+            <a:avLst/>
+          </a:prstGeom>
+        </p:spPr>
+      </p:pic>
+    </p:spTree>
+    <p:extLst>
+      <p:ext uri="{BB962C8B-B14F-4D97-AF65-F5344CB8AC3E}">
+        <p14:creationId xmlns:p14="http://schemas.microsoft.com/office/powerpoint/2010/main" val="2575071059"/>
+      </p:ext>
+    </p:extLst>
+  </p:cSld>
+  <p:clrMapOvr>
+    <a:masterClrMapping/>
+  </p:clrMapOvr>
+</p:sld>
+</file>
+
+<file path=ppt/slides/slide2.xml><?xml version="1.0" encoding="utf-8"?>
+<p:sld xmlns:a="http://schemas.openxmlformats.org/drawingml/2006/main" xmlns:r="http://schemas.openxmlformats.org/officeDocument/2006/relationships" xmlns:p="http://schemas.openxmlformats.org/presentationml/2006/main">
+  <p:cSld>
+    <p:spTree>
+      <p:nvGrpSpPr>
+        <p:cNvPr id="1" name=""/>
+        <p:cNvGrpSpPr/>
+        <p:nvPr/>
+      </p:nvGrpSpPr>
+      <p:grpSpPr>
+        <a:xfrm>
+          <a:off x="0" y="0"/>
+          <a:ext cx="0" cy="0"/>
+          <a:chOff x="0" y="0"/>
+          <a:chExt cx="0" cy="0"/>
+        </a:xfrm>
+      </p:grpSpPr>
+      <p:sp>
+        <p:nvSpPr>
+          <p:cNvPr id="3" name="Title 2"/>
+          <p:cNvSpPr txBox="1">
+            <a:spLocks/>
+          </p:cNvSpPr>
+          <p:nvPr/>
+        </p:nvSpPr>
+        <p:spPr>
+          <a:xfrm>
+            <a:off x="395536" y="536274"/>
+            <a:ext cx="1944216" cy="1171380"/>
+          </a:xfrm>
+          <a:prstGeom prst="rect">
+            <a:avLst/>
+          </a:prstGeom>
+        </p:spPr>
+        <p:txBody>
+          <a:bodyPr anchor="ctr"/>
+          <a:lstStyle>
+            <a:lvl1pPr algn="ctr" defTabSz="914400" rtl="0" eaLnBrk="1" latinLnBrk="1" hangingPunct="1">
+              <a:spcBef>
+                <a:spcPct val="0"/>
+              </a:spcBef>
+              <a:buNone/>
+              <a:defRPr sz="4400" kern="1200">
+                <a:solidFill>
+                  <a:schemeClr val="tx1"/>
+                </a:solidFill>
+                <a:latin typeface="+mj-lt"/>
+                <a:ea typeface="+mj-ea"/>
+                <a:cs typeface="+mj-cs"/>
+              </a:defRPr>
+            </a:lvl1pPr>
+          </a:lstStyle>
+          <a:p>
+            <a:pPr algn="l"/>
+            <a:r>
+              <a:rPr lang="en-US" sz="3600" b="1" dirty="0">
+                <a:solidFill>
+                  <a:schemeClr val="bg1"/>
+                </a:solidFill>
+                <a:cs typeface="Arial" pitchFamily="34" charset="0"/>
+              </a:rPr>
+              <a:t>INDEX</a:t>
+            </a:r>
+          </a:p>
+        </p:txBody>
+      </p:sp>
+      <p:sp>
+        <p:nvSpPr>
+          <p:cNvPr id="2" name="Rectangle 1"/>
+          <p:cNvSpPr/>
+          <p:nvPr/>
+        </p:nvSpPr>
+        <p:spPr>
+          <a:xfrm>
+            <a:off x="7236296" y="0"/>
+            <a:ext cx="1907704" cy="5143500"/>
+          </a:xfrm>
+          <a:prstGeom prst="rect">
+            <a:avLst/>
+          </a:prstGeom>
+          <a:solidFill>
+            <a:schemeClr val="bg1"/>
+          </a:solidFill>
+          <a:ln>
+            <a:noFill/>
+          </a:ln>
+        </p:spPr>
+        <p:style>
+          <a:lnRef idx="2">
+            <a:schemeClr val="accent1">
+              <a:shade val="50000"/>
+            </a:schemeClr>
+          </a:lnRef>
+          <a:fillRef idx="1">
+            <a:schemeClr val="accent1"/>
+          </a:fillRef>
+          <a:effectRef idx="0">
+            <a:schemeClr val="accent1"/>
+          </a:effectRef>
+          <a:fontRef idx="minor">
+            <a:schemeClr val="lt1"/>
+          </a:fontRef>
+        </p:style>
+        <p:txBody>
+          <a:bodyPr rtlCol="0" anchor="ctr"/>
+          <a:lstStyle/>
+          <a:p>
+            <a:pPr algn="ctr"/>
+            <a:endParaRPr lang="ko-KR" altLang="en-US"/>
+          </a:p>
+        </p:txBody>
+      </p:sp>
+      <p:sp>
+        <p:nvSpPr>
+          <p:cNvPr id="4" name="Right Arrow 3"/>
+          <p:cNvSpPr/>
+          <p:nvPr/>
+        </p:nvSpPr>
+        <p:spPr>
+          <a:xfrm rot="20539464">
+            <a:off x="7124472" y="872359"/>
+            <a:ext cx="1334134" cy="1058306"/>
+          </a:xfrm>
+          <a:custGeom>
+            <a:avLst/>
+            <a:gdLst/>
+            <a:ahLst/>
+            <a:cxnLst/>
+            <a:rect l="l" t="t" r="r" b="b"/>
+            <a:pathLst>
+              <a:path w="1334134" h="1058306">
+                <a:moveTo>
+                  <a:pt x="804981" y="0"/>
+                </a:moveTo>
+                <a:lnTo>
+                  <a:pt x="1334134" y="529153"/>
+                </a:lnTo>
+                <a:lnTo>
+                  <a:pt x="804981" y="1058306"/>
+                </a:lnTo>
+                <a:lnTo>
+                  <a:pt x="804981" y="793730"/>
+                </a:lnTo>
+                <a:lnTo>
+                  <a:pt x="0" y="793730"/>
+                </a:lnTo>
+                <a:lnTo>
+                  <a:pt x="168626" y="264577"/>
+                </a:lnTo>
+                <a:lnTo>
+                  <a:pt x="804981" y="264577"/>
+                </a:lnTo>
+                <a:close/>
+              </a:path>
+            </a:pathLst>
+          </a:custGeom>
+          <a:solidFill>
+            <a:schemeClr val="accent2"/>
+          </a:solidFill>
+          <a:ln>
+            <a:noFill/>
+          </a:ln>
+        </p:spPr>
+        <p:style>
+          <a:lnRef idx="2">
+            <a:schemeClr val="accent1">
+              <a:shade val="50000"/>
+            </a:schemeClr>
+          </a:lnRef>
+          <a:fillRef idx="1">
+            <a:schemeClr val="accent1"/>
+          </a:fillRef>
+          <a:effectRef idx="0">
+            <a:schemeClr val="accent1"/>
+          </a:effectRef>
+          <a:fontRef idx="minor">
+            <a:schemeClr val="lt1"/>
+          </a:fontRef>
+        </p:style>
+        <p:txBody>
+          <a:bodyPr rtlCol="0" anchor="ctr"/>
+          <a:lstStyle/>
+          <a:p>
+            <a:pPr algn="ctr"/>
+            <a:endParaRPr lang="ko-KR" altLang="en-US"/>
+          </a:p>
+        </p:txBody>
+      </p:sp>
+      <p:sp>
+        <p:nvSpPr>
+          <p:cNvPr id="5" name="Right Arrow 4"/>
+          <p:cNvSpPr/>
+          <p:nvPr/>
+        </p:nvSpPr>
+        <p:spPr>
+          <a:xfrm rot="20539464">
+            <a:off x="7124472" y="1976473"/>
+            <a:ext cx="1334134" cy="1058306"/>
+          </a:xfrm>
+          <a:custGeom>
+            <a:avLst/>
+            <a:gdLst/>
+            <a:ahLst/>
+            <a:cxnLst/>
+            <a:rect l="l" t="t" r="r" b="b"/>
+            <a:pathLst>
+              <a:path w="1334134" h="1058306">
+                <a:moveTo>
+                  <a:pt x="804981" y="0"/>
+                </a:moveTo>
+                <a:lnTo>
+                  <a:pt x="1334134" y="529153"/>
+                </a:lnTo>
+                <a:lnTo>
+                  <a:pt x="804981" y="1058306"/>
+                </a:lnTo>
+                <a:lnTo>
+                  <a:pt x="804981" y="793730"/>
+                </a:lnTo>
+                <a:lnTo>
+                  <a:pt x="0" y="793730"/>
+                </a:lnTo>
+                <a:lnTo>
+                  <a:pt x="168626" y="264577"/>
+                </a:lnTo>
+                <a:lnTo>
+                  <a:pt x="804981" y="264577"/>
+                </a:lnTo>
+                <a:close/>
+              </a:path>
+            </a:pathLst>
+          </a:custGeom>
+          <a:solidFill>
+            <a:schemeClr val="accent2"/>
+          </a:solidFill>
+          <a:ln>
+            <a:noFill/>
+          </a:ln>
+        </p:spPr>
+        <p:style>
+          <a:lnRef idx="2">
+            <a:schemeClr val="accent1">
+              <a:shade val="50000"/>
+            </a:schemeClr>
+          </a:lnRef>
+          <a:fillRef idx="1">
+            <a:schemeClr val="accent1"/>
+          </a:fillRef>
+          <a:effectRef idx="0">
+            <a:schemeClr val="accent1"/>
+          </a:effectRef>
+          <a:fontRef idx="minor">
+            <a:schemeClr val="lt1"/>
+          </a:fontRef>
+        </p:style>
+        <p:txBody>
+          <a:bodyPr rtlCol="0" anchor="ctr"/>
+          <a:lstStyle/>
+          <a:p>
+            <a:pPr algn="ctr"/>
+            <a:endParaRPr lang="ko-KR" altLang="en-US"/>
+          </a:p>
+        </p:txBody>
+      </p:sp>
+      <p:sp>
+        <p:nvSpPr>
+          <p:cNvPr id="6" name="Right Arrow 5"/>
+          <p:cNvSpPr/>
+          <p:nvPr/>
+        </p:nvSpPr>
+        <p:spPr>
+          <a:xfrm rot="20539464">
+            <a:off x="7124472" y="3080587"/>
+            <a:ext cx="1334134" cy="1058306"/>
+          </a:xfrm>
+          <a:custGeom>
+            <a:avLst/>
+            <a:gdLst/>
+            <a:ahLst/>
+            <a:cxnLst/>
+            <a:rect l="l" t="t" r="r" b="b"/>
+            <a:pathLst>
+              <a:path w="1334134" h="1058306">
+                <a:moveTo>
+                  <a:pt x="804981" y="0"/>
+                </a:moveTo>
+                <a:lnTo>
+                  <a:pt x="1334134" y="529153"/>
+                </a:lnTo>
+                <a:lnTo>
+                  <a:pt x="804981" y="1058306"/>
+                </a:lnTo>
+                <a:lnTo>
+                  <a:pt x="804981" y="793730"/>
+                </a:lnTo>
+                <a:lnTo>
+                  <a:pt x="0" y="793730"/>
+                </a:lnTo>
+                <a:lnTo>
+                  <a:pt x="168626" y="264577"/>
+                </a:lnTo>
+                <a:lnTo>
+                  <a:pt x="804981" y="264577"/>
+                </a:lnTo>
+                <a:close/>
+              </a:path>
+            </a:pathLst>
+          </a:custGeom>
+          <a:solidFill>
+            <a:schemeClr val="accent2"/>
+          </a:solidFill>
+          <a:ln>
+            <a:noFill/>
+          </a:ln>
+        </p:spPr>
+        <p:style>
+          <a:lnRef idx="2">
+            <a:schemeClr val="accent1">
+              <a:shade val="50000"/>
+            </a:schemeClr>
+          </a:lnRef>
+          <a:fillRef idx="1">
+            <a:schemeClr val="accent1"/>
+          </a:fillRef>
+          <a:effectRef idx="0">
+            <a:schemeClr val="accent1"/>
+          </a:effectRef>
+          <a:fontRef idx="minor">
+            <a:schemeClr val="lt1"/>
+          </a:fontRef>
+        </p:style>
+        <p:txBody>
+          <a:bodyPr rtlCol="0" anchor="ctr"/>
+          <a:lstStyle/>
+          <a:p>
+            <a:pPr algn="ctr"/>
+            <a:endParaRPr lang="ko-KR" altLang="en-US"/>
+          </a:p>
+        </p:txBody>
+      </p:sp>
+      <p:sp>
+        <p:nvSpPr>
+          <p:cNvPr id="7" name="Right Arrow 6"/>
+          <p:cNvSpPr/>
+          <p:nvPr/>
+        </p:nvSpPr>
+        <p:spPr>
+          <a:xfrm rot="1060536" flipH="1">
+            <a:off x="5964349" y="1424416"/>
+            <a:ext cx="1383499" cy="1058306"/>
+          </a:xfrm>
+          <a:prstGeom prst="rightArrow">
+            <a:avLst/>
+          </a:prstGeom>
+          <a:solidFill>
+            <a:schemeClr val="bg1"/>
+          </a:solidFill>
+          <a:ln>
+            <a:noFill/>
+          </a:ln>
+        </p:spPr>
+        <p:style>
+          <a:lnRef idx="2">
+            <a:schemeClr val="accent1">
+              <a:shade val="50000"/>
+            </a:schemeClr>
+          </a:lnRef>
+          <a:fillRef idx="1">
+            <a:schemeClr val="accent1"/>
+          </a:fillRef>
+          <a:effectRef idx="0">
+            <a:schemeClr val="accent1"/>
+          </a:effectRef>
+          <a:fontRef idx="minor">
+            <a:schemeClr val="lt1"/>
+          </a:fontRef>
+        </p:style>
+        <p:txBody>
+          <a:bodyPr rtlCol="0" anchor="ctr"/>
+          <a:lstStyle/>
+          <a:p>
+            <a:pPr algn="ctr"/>
+            <a:endParaRPr lang="ko-KR" altLang="en-US"/>
+          </a:p>
+        </p:txBody>
+      </p:sp>
+      <p:sp>
+        <p:nvSpPr>
+          <p:cNvPr id="8" name="Right Arrow 7"/>
+          <p:cNvSpPr/>
+          <p:nvPr/>
+        </p:nvSpPr>
+        <p:spPr>
+          <a:xfrm rot="1060536" flipH="1">
+            <a:off x="5964349" y="2528530"/>
+            <a:ext cx="1383499" cy="1058306"/>
+          </a:xfrm>
+          <a:prstGeom prst="rightArrow">
+            <a:avLst/>
+          </a:prstGeom>
+          <a:solidFill>
+            <a:schemeClr val="bg1"/>
+          </a:solidFill>
+          <a:ln>
+            <a:noFill/>
+          </a:ln>
+        </p:spPr>
+        <p:style>
+          <a:lnRef idx="2">
+            <a:schemeClr val="accent1">
+              <a:shade val="50000"/>
+            </a:schemeClr>
+          </a:lnRef>
+          <a:fillRef idx="1">
+            <a:schemeClr val="accent1"/>
+          </a:fillRef>
+          <a:effectRef idx="0">
+            <a:schemeClr val="accent1"/>
+          </a:effectRef>
+          <a:fontRef idx="minor">
+            <a:schemeClr val="lt1"/>
+          </a:fontRef>
+        </p:style>
+        <p:txBody>
+          <a:bodyPr rtlCol="0" anchor="ctr"/>
+          <a:lstStyle/>
+          <a:p>
+            <a:pPr algn="ctr"/>
+            <a:endParaRPr lang="ko-KR" altLang="en-US"/>
+          </a:p>
+        </p:txBody>
+      </p:sp>
+      <p:sp>
+        <p:nvSpPr>
+          <p:cNvPr id="9" name="Right Arrow 8"/>
+          <p:cNvSpPr/>
+          <p:nvPr/>
+        </p:nvSpPr>
+        <p:spPr>
+          <a:xfrm rot="1060536" flipH="1">
+            <a:off x="5964349" y="3632646"/>
+            <a:ext cx="1383499" cy="1058306"/>
+          </a:xfrm>
+          <a:prstGeom prst="rightArrow">
+            <a:avLst/>
+          </a:prstGeom>
+          <a:solidFill>
+            <a:schemeClr val="bg1"/>
+          </a:solidFill>
+          <a:ln>
+            <a:noFill/>
+          </a:ln>
+        </p:spPr>
+        <p:style>
+          <a:lnRef idx="2">
+            <a:schemeClr val="accent1">
+              <a:shade val="50000"/>
+            </a:schemeClr>
+          </a:lnRef>
+          <a:fillRef idx="1">
+            <a:schemeClr val="accent1"/>
+          </a:fillRef>
+          <a:effectRef idx="0">
+            <a:schemeClr val="accent1"/>
+          </a:effectRef>
+          <a:fontRef idx="minor">
+            <a:schemeClr val="lt1"/>
+          </a:fontRef>
+        </p:style>
+        <p:txBody>
+          <a:bodyPr rtlCol="0" anchor="ctr"/>
+          <a:lstStyle/>
+          <a:p>
+            <a:pPr algn="ctr"/>
+            <a:endParaRPr lang="ko-KR" altLang="en-US"/>
+          </a:p>
+        </p:txBody>
+      </p:sp>
+      <p:sp>
+        <p:nvSpPr>
+          <p:cNvPr id="13" name="Right Arrow 12"/>
+          <p:cNvSpPr/>
+          <p:nvPr/>
+        </p:nvSpPr>
+        <p:spPr>
+          <a:xfrm rot="1060536" flipH="1">
+            <a:off x="5964349" y="314404"/>
+            <a:ext cx="1383499" cy="1058306"/>
+          </a:xfrm>
+          <a:prstGeom prst="rightArrow">
+            <a:avLst/>
+          </a:prstGeom>
+          <a:solidFill>
+            <a:schemeClr val="bg1"/>
+          </a:solidFill>
+          <a:ln>
+            <a:noFill/>
+          </a:ln>
+        </p:spPr>
+        <p:style>
+          <a:lnRef idx="2">
+            <a:schemeClr val="accent1">
+              <a:shade val="50000"/>
+            </a:schemeClr>
+          </a:lnRef>
+          <a:fillRef idx="1">
+            <a:schemeClr val="accent1"/>
+          </a:fillRef>
+          <a:effectRef idx="0">
+            <a:schemeClr val="accent1"/>
+          </a:effectRef>
+          <a:fontRef idx="minor">
+            <a:schemeClr val="lt1"/>
+          </a:fontRef>
+        </p:style>
+        <p:txBody>
+          <a:bodyPr rtlCol="0" anchor="ctr"/>
+          <a:lstStyle/>
+          <a:p>
+            <a:pPr algn="ctr"/>
+            <a:endParaRPr lang="ko-KR" altLang="en-US"/>
+          </a:p>
+        </p:txBody>
+      </p:sp>
+      <p:sp>
+        <p:nvSpPr>
+          <p:cNvPr id="14" name="Right Arrow 5"/>
+          <p:cNvSpPr/>
+          <p:nvPr/>
+        </p:nvSpPr>
+        <p:spPr>
+          <a:xfrm rot="20539464">
+            <a:off x="7117193" y="4189468"/>
+            <a:ext cx="1334134" cy="1058306"/>
+          </a:xfrm>
+          <a:custGeom>
+            <a:avLst/>
+            <a:gdLst/>
+            <a:ahLst/>
+            <a:cxnLst/>
+            <a:rect l="l" t="t" r="r" b="b"/>
+            <a:pathLst>
+              <a:path w="1334134" h="1058306">
+                <a:moveTo>
+                  <a:pt x="804981" y="0"/>
+                </a:moveTo>
+                <a:lnTo>
+                  <a:pt x="1334134" y="529153"/>
+                </a:lnTo>
+                <a:lnTo>
+                  <a:pt x="804981" y="1058306"/>
+                </a:lnTo>
+                <a:lnTo>
+                  <a:pt x="804981" y="793730"/>
+                </a:lnTo>
+                <a:lnTo>
+                  <a:pt x="0" y="793730"/>
+                </a:lnTo>
+                <a:lnTo>
+                  <a:pt x="168626" y="264577"/>
+                </a:lnTo>
+                <a:lnTo>
+                  <a:pt x="804981" y="264577"/>
+                </a:lnTo>
+                <a:close/>
+              </a:path>
+            </a:pathLst>
+          </a:custGeom>
+          <a:solidFill>
+            <a:schemeClr val="accent2"/>
+          </a:solidFill>
+          <a:ln>
+            <a:noFill/>
+          </a:ln>
+        </p:spPr>
+        <p:style>
+          <a:lnRef idx="2">
+            <a:schemeClr val="accent1">
+              <a:shade val="50000"/>
+            </a:schemeClr>
+          </a:lnRef>
+          <a:fillRef idx="1">
+            <a:schemeClr val="accent1"/>
+          </a:fillRef>
+          <a:effectRef idx="0">
+            <a:schemeClr val="accent1"/>
+          </a:effectRef>
+          <a:fontRef idx="minor">
+            <a:schemeClr val="lt1"/>
+          </a:fontRef>
+        </p:style>
+        <p:txBody>
+          <a:bodyPr rtlCol="0" anchor="ctr"/>
+          <a:lstStyle/>
+          <a:p>
+            <a:pPr algn="ctr"/>
+            <a:endParaRPr lang="ko-KR" altLang="en-US"/>
+          </a:p>
+        </p:txBody>
+      </p:sp>
+      <p:sp>
+        <p:nvSpPr>
+          <p:cNvPr id="15" name="Right Arrow 3"/>
+          <p:cNvSpPr/>
+          <p:nvPr/>
+        </p:nvSpPr>
+        <p:spPr>
+          <a:xfrm rot="20539464">
+            <a:off x="7157361" y="12575"/>
+            <a:ext cx="1334133" cy="793729"/>
+          </a:xfrm>
+          <a:custGeom>
+            <a:avLst/>
+            <a:gdLst/>
+            <a:ahLst/>
+            <a:cxnLst/>
+            <a:rect l="l" t="t" r="r" b="b"/>
+            <a:pathLst>
+              <a:path w="1334133" h="793729">
+                <a:moveTo>
+                  <a:pt x="788394" y="0"/>
+                </a:moveTo>
+                <a:lnTo>
+                  <a:pt x="1201063" y="131506"/>
+                </a:lnTo>
+                <a:lnTo>
+                  <a:pt x="1334133" y="264576"/>
+                </a:lnTo>
+                <a:lnTo>
+                  <a:pt x="804981" y="793729"/>
+                </a:lnTo>
+                <a:lnTo>
+                  <a:pt x="804981" y="529153"/>
+                </a:lnTo>
+                <a:lnTo>
+                  <a:pt x="0" y="529153"/>
+                </a:lnTo>
+                <a:lnTo>
+                  <a:pt x="168626" y="0"/>
+                </a:lnTo>
+                <a:close/>
+              </a:path>
+            </a:pathLst>
+          </a:custGeom>
+          <a:solidFill>
+            <a:schemeClr val="accent2"/>
+          </a:solidFill>
+          <a:ln>
+            <a:noFill/>
+          </a:ln>
+        </p:spPr>
+        <p:style>
+          <a:lnRef idx="2">
+            <a:schemeClr val="accent1">
+              <a:shade val="50000"/>
+            </a:schemeClr>
+          </a:lnRef>
+          <a:fillRef idx="1">
+            <a:schemeClr val="accent1"/>
+          </a:fillRef>
+          <a:effectRef idx="0">
+            <a:schemeClr val="accent1"/>
+          </a:effectRef>
+          <a:fontRef idx="minor">
+            <a:schemeClr val="lt1"/>
+          </a:fontRef>
+        </p:style>
+        <p:txBody>
+          <a:bodyPr rtlCol="0" anchor="ctr"/>
+          <a:lstStyle/>
+          <a:p>
+            <a:pPr algn="ctr"/>
+            <a:endParaRPr lang="ko-KR" altLang="en-US"/>
+          </a:p>
+        </p:txBody>
+      </p:sp>
+      <p:sp>
+        <p:nvSpPr>
+          <p:cNvPr id="17" name="Right Arrow 16"/>
+          <p:cNvSpPr/>
+          <p:nvPr/>
+        </p:nvSpPr>
+        <p:spPr>
+          <a:xfrm rot="1060536" flipH="1">
+            <a:off x="6020816" y="4705082"/>
+            <a:ext cx="1184167" cy="614682"/>
+          </a:xfrm>
+          <a:custGeom>
+            <a:avLst/>
+            <a:gdLst/>
+            <a:ahLst/>
+            <a:cxnLst/>
+            <a:rect l="l" t="t" r="r" b="b"/>
+            <a:pathLst>
+              <a:path w="1184167" h="614682">
+                <a:moveTo>
+                  <a:pt x="655014" y="0"/>
+                </a:moveTo>
+                <a:lnTo>
+                  <a:pt x="655014" y="264577"/>
+                </a:lnTo>
+                <a:lnTo>
+                  <a:pt x="0" y="264577"/>
+                </a:lnTo>
+                <a:lnTo>
+                  <a:pt x="1098638" y="614682"/>
+                </a:lnTo>
+                <a:lnTo>
+                  <a:pt x="1184167" y="529153"/>
+                </a:lnTo>
+                <a:close/>
+              </a:path>
+            </a:pathLst>
+          </a:custGeom>
+          <a:solidFill>
+            <a:schemeClr val="bg1"/>
+          </a:solidFill>
+          <a:ln>
+            <a:noFill/>
+          </a:ln>
+        </p:spPr>
+        <p:style>
+          <a:lnRef idx="2">
+            <a:schemeClr val="accent1">
+              <a:shade val="50000"/>
+            </a:schemeClr>
+          </a:lnRef>
+          <a:fillRef idx="1">
+            <a:schemeClr val="accent1"/>
+          </a:fillRef>
+          <a:effectRef idx="0">
+            <a:schemeClr val="accent1"/>
+          </a:effectRef>
+          <a:fontRef idx="minor">
+            <a:schemeClr val="lt1"/>
+          </a:fontRef>
+        </p:style>
+        <p:txBody>
+          <a:bodyPr rtlCol="0" anchor="ctr"/>
+          <a:lstStyle/>
+          <a:p>
+            <a:pPr algn="ctr"/>
+            <a:endParaRPr lang="ko-KR" altLang="en-US"/>
+          </a:p>
+        </p:txBody>
+      </p:sp>
+      <p:sp>
+        <p:nvSpPr>
+          <p:cNvPr id="19" name="TextBox 18"/>
+          <p:cNvSpPr txBox="1"/>
+          <p:nvPr/>
+        </p:nvSpPr>
+        <p:spPr>
+          <a:xfrm>
+            <a:off x="6137614" y="528443"/>
+            <a:ext cx="554143" cy="461665"/>
+          </a:xfrm>
+          <a:prstGeom prst="rect">
+            <a:avLst/>
+          </a:prstGeom>
+          <a:noFill/>
+        </p:spPr>
+        <p:txBody>
+          <a:bodyPr wrap="square" rtlCol="0">
+            <a:spAutoFit/>
+          </a:bodyPr>
+          <a:lstStyle/>
+          <a:p>
+            <a:pPr algn="ctr"/>
+            <a:r>
+              <a:rPr lang="en-US" altLang="ko-KR" sz="2400" b="1" dirty="0">
+                <a:solidFill>
+                  <a:schemeClr val="accent2"/>
+                </a:solidFill>
+                <a:cs typeface="Arial" pitchFamily="34" charset="0"/>
+              </a:rPr>
+              <a:t>01</a:t>
+            </a:r>
+            <a:endParaRPr lang="ko-KR" altLang="en-US" sz="2400" b="1" dirty="0">
+              <a:solidFill>
+                <a:schemeClr val="accent2"/>
+              </a:solidFill>
+              <a:cs typeface="Arial" pitchFamily="34" charset="0"/>
+            </a:endParaRPr>
+          </a:p>
+        </p:txBody>
+      </p:sp>
+      <p:sp>
+        <p:nvSpPr>
+          <p:cNvPr id="20" name="TextBox 19"/>
+          <p:cNvSpPr txBox="1"/>
+          <p:nvPr/>
+        </p:nvSpPr>
+        <p:spPr>
+          <a:xfrm>
+            <a:off x="6137614" y="1646559"/>
+            <a:ext cx="554143" cy="461665"/>
+          </a:xfrm>
+          <a:prstGeom prst="rect">
+            <a:avLst/>
+          </a:prstGeom>
+          <a:noFill/>
+        </p:spPr>
+        <p:txBody>
+          <a:bodyPr wrap="square" rtlCol="0">
+            <a:spAutoFit/>
+          </a:bodyPr>
+          <a:lstStyle/>
+          <a:p>
+            <a:pPr algn="ctr"/>
+            <a:r>
+              <a:rPr lang="en-US" altLang="ko-KR" sz="2400" b="1" dirty="0">
+                <a:solidFill>
+                  <a:schemeClr val="accent2"/>
+                </a:solidFill>
+                <a:cs typeface="Arial" pitchFamily="34" charset="0"/>
+              </a:rPr>
+              <a:t>02</a:t>
+            </a:r>
+            <a:endParaRPr lang="ko-KR" altLang="en-US" sz="2400" b="1" dirty="0">
+              <a:solidFill>
+                <a:schemeClr val="accent2"/>
+              </a:solidFill>
+              <a:cs typeface="Arial" pitchFamily="34" charset="0"/>
+            </a:endParaRPr>
+          </a:p>
+        </p:txBody>
+      </p:sp>
+      <p:sp>
+        <p:nvSpPr>
+          <p:cNvPr id="21" name="TextBox 20"/>
+          <p:cNvSpPr txBox="1"/>
+          <p:nvPr/>
+        </p:nvSpPr>
+        <p:spPr>
+          <a:xfrm>
+            <a:off x="6137614" y="2764675"/>
+            <a:ext cx="554143" cy="461665"/>
+          </a:xfrm>
+          <a:prstGeom prst="rect">
+            <a:avLst/>
+          </a:prstGeom>
+          <a:noFill/>
+        </p:spPr>
+        <p:txBody>
+          <a:bodyPr wrap="square" rtlCol="0">
+            <a:spAutoFit/>
+          </a:bodyPr>
+          <a:lstStyle/>
+          <a:p>
+            <a:pPr algn="ctr"/>
+            <a:r>
+              <a:rPr lang="en-US" altLang="ko-KR" sz="2400" b="1" dirty="0">
+                <a:solidFill>
+                  <a:schemeClr val="accent2"/>
+                </a:solidFill>
+                <a:cs typeface="Arial" pitchFamily="34" charset="0"/>
+              </a:rPr>
+              <a:t>03</a:t>
+            </a:r>
+            <a:endParaRPr lang="ko-KR" altLang="en-US" sz="2400" b="1" dirty="0">
+              <a:solidFill>
+                <a:schemeClr val="accent2"/>
+              </a:solidFill>
+              <a:cs typeface="Arial" pitchFamily="34" charset="0"/>
+            </a:endParaRPr>
+          </a:p>
+        </p:txBody>
+      </p:sp>
+      <p:sp>
+        <p:nvSpPr>
+          <p:cNvPr id="22" name="TextBox 21"/>
+          <p:cNvSpPr txBox="1"/>
+          <p:nvPr/>
+        </p:nvSpPr>
+        <p:spPr>
+          <a:xfrm>
+            <a:off x="6137614" y="3882791"/>
+            <a:ext cx="554143" cy="461665"/>
+          </a:xfrm>
+          <a:prstGeom prst="rect">
+            <a:avLst/>
+          </a:prstGeom>
+          <a:noFill/>
+        </p:spPr>
+        <p:txBody>
+          <a:bodyPr wrap="square" rtlCol="0">
+            <a:spAutoFit/>
+          </a:bodyPr>
+          <a:lstStyle/>
+          <a:p>
+            <a:pPr algn="ctr"/>
+            <a:r>
+              <a:rPr lang="en-US" altLang="ko-KR" sz="2400" b="1" dirty="0">
+                <a:solidFill>
+                  <a:schemeClr val="accent2"/>
+                </a:solidFill>
+                <a:cs typeface="Arial" pitchFamily="34" charset="0"/>
+              </a:rPr>
+              <a:t>04</a:t>
+            </a:r>
+            <a:endParaRPr lang="ko-KR" altLang="en-US" sz="2400" b="1" dirty="0">
+              <a:solidFill>
+                <a:schemeClr val="accent2"/>
+              </a:solidFill>
+              <a:cs typeface="Arial" pitchFamily="34" charset="0"/>
+            </a:endParaRPr>
+          </a:p>
+        </p:txBody>
+      </p:sp>
+      <p:sp>
+        <p:nvSpPr>
+          <p:cNvPr id="24" name="TextBox 10"/>
+          <p:cNvSpPr txBox="1"/>
+          <p:nvPr/>
+        </p:nvSpPr>
+        <p:spPr bwMode="auto">
+          <a:xfrm>
+            <a:off x="2595980" y="486098"/>
+            <a:ext cx="3272009" cy="307777"/>
+          </a:xfrm>
+          <a:prstGeom prst="rect">
+            <a:avLst/>
+          </a:prstGeom>
+          <a:noFill/>
+          <a:effectLst/>
+        </p:spPr>
+        <p:txBody>
+          <a:bodyPr wrap="square">
+            <a:spAutoFit/>
+          </a:bodyPr>
+          <a:lstStyle>
+            <a:defPPr>
+              <a:defRPr lang="ko-KR"/>
+            </a:defPPr>
+            <a:lvl1pPr marL="0" algn="l" defTabSz="914400" rtl="0" eaLnBrk="1" latinLnBrk="1" hangingPunct="1">
+              <a:defRPr sz="1800" kern="1200">
+                <a:solidFill>
+                  <a:schemeClr val="tx1"/>
+                </a:solidFill>
+                <a:latin typeface="+mn-lt"/>
+                <a:ea typeface="+mn-ea"/>
+                <a:cs typeface="+mn-cs"/>
+              </a:defRPr>
+            </a:lvl1pPr>
+            <a:lvl2pPr marL="457200" algn="l" defTabSz="914400" rtl="0" eaLnBrk="1" latinLnBrk="1" hangingPunct="1">
+              <a:defRPr sz="1800" kern="1200">
+                <a:solidFill>
+                  <a:schemeClr val="tx1"/>
+                </a:solidFill>
+                <a:latin typeface="+mn-lt"/>
+                <a:ea typeface="+mn-ea"/>
+                <a:cs typeface="+mn-cs"/>
+              </a:defRPr>
+            </a:lvl2pPr>
+            <a:lvl3pPr marL="914400" algn="l" defTabSz="914400" rtl="0" eaLnBrk="1" latinLnBrk="1" hangingPunct="1">
+              <a:defRPr sz="1800" kern="1200">
+                <a:solidFill>
+                  <a:schemeClr val="tx1"/>
+                </a:solidFill>
+                <a:latin typeface="+mn-lt"/>
+                <a:ea typeface="+mn-ea"/>
+                <a:cs typeface="+mn-cs"/>
+              </a:defRPr>
+            </a:lvl3pPr>
+            <a:lvl4pPr marL="1371600" algn="l" defTabSz="914400" rtl="0" eaLnBrk="1" latinLnBrk="1" hangingPunct="1">
+              <a:defRPr sz="1800" kern="1200">
+                <a:solidFill>
+                  <a:schemeClr val="tx1"/>
+                </a:solidFill>
+                <a:latin typeface="+mn-lt"/>
+                <a:ea typeface="+mn-ea"/>
+                <a:cs typeface="+mn-cs"/>
+              </a:defRPr>
+            </a:lvl4pPr>
+            <a:lvl5pPr marL="1828800" algn="l" defTabSz="914400" rtl="0" eaLnBrk="1" latinLnBrk="1" hangingPunct="1">
+              <a:defRPr sz="1800" kern="1200">
+                <a:solidFill>
+                  <a:schemeClr val="tx1"/>
+                </a:solidFill>
+                <a:latin typeface="+mn-lt"/>
+                <a:ea typeface="+mn-ea"/>
+                <a:cs typeface="+mn-cs"/>
+              </a:defRPr>
+            </a:lvl5pPr>
+            <a:lvl6pPr marL="2286000" algn="l" defTabSz="914400" rtl="0" eaLnBrk="1" latinLnBrk="1" hangingPunct="1">
+              <a:defRPr sz="1800" kern="1200">
+                <a:solidFill>
+                  <a:schemeClr val="tx1"/>
+                </a:solidFill>
+                <a:latin typeface="+mn-lt"/>
+                <a:ea typeface="+mn-ea"/>
+                <a:cs typeface="+mn-cs"/>
+              </a:defRPr>
+            </a:lvl6pPr>
+            <a:lvl7pPr marL="2743200" algn="l" defTabSz="914400" rtl="0" eaLnBrk="1" latinLnBrk="1" hangingPunct="1">
+              <a:defRPr sz="1800" kern="1200">
+                <a:solidFill>
+                  <a:schemeClr val="tx1"/>
+                </a:solidFill>
+                <a:latin typeface="+mn-lt"/>
+                <a:ea typeface="+mn-ea"/>
+                <a:cs typeface="+mn-cs"/>
+              </a:defRPr>
+            </a:lvl7pPr>
+            <a:lvl8pPr marL="3200400" algn="l" defTabSz="914400" rtl="0" eaLnBrk="1" latinLnBrk="1" hangingPunct="1">
+              <a:defRPr sz="1800" kern="1200">
+                <a:solidFill>
+                  <a:schemeClr val="tx1"/>
+                </a:solidFill>
+                <a:latin typeface="+mn-lt"/>
+                <a:ea typeface="+mn-ea"/>
+                <a:cs typeface="+mn-cs"/>
+              </a:defRPr>
+            </a:lvl8pPr>
+            <a:lvl9pPr marL="3657600" algn="l" defTabSz="914400" rtl="0" eaLnBrk="1" latinLnBrk="1" hangingPunct="1">
+              <a:defRPr sz="1800" kern="1200">
+                <a:solidFill>
+                  <a:schemeClr val="tx1"/>
+                </a:solidFill>
+                <a:latin typeface="+mn-lt"/>
+                <a:ea typeface="+mn-ea"/>
+                <a:cs typeface="+mn-cs"/>
+              </a:defRPr>
+            </a:lvl9pPr>
+          </a:lstStyle>
+          <a:p>
+            <a:pPr algn="r">
+              <a:defRPr/>
+            </a:pPr>
+            <a:r>
+              <a:rPr lang="en-US" altLang="ko-KR" sz="1400" b="1" dirty="0">
+                <a:solidFill>
+                  <a:schemeClr val="bg1"/>
+                </a:solidFill>
+                <a:cs typeface="Arial" pitchFamily="34" charset="0"/>
+              </a:rPr>
+              <a:t>DATA COLLECT</a:t>
+            </a:r>
+          </a:p>
+        </p:txBody>
+      </p:sp>
+      <p:sp>
+        <p:nvSpPr>
+          <p:cNvPr id="27" name="TextBox 10"/>
+          <p:cNvSpPr txBox="1"/>
+          <p:nvPr/>
+        </p:nvSpPr>
+        <p:spPr bwMode="auto">
+          <a:xfrm>
+            <a:off x="2595980" y="1596852"/>
+            <a:ext cx="3272009" cy="307777"/>
+          </a:xfrm>
+          <a:prstGeom prst="rect">
+            <a:avLst/>
+          </a:prstGeom>
+          <a:noFill/>
+          <a:effectLst/>
+        </p:spPr>
+        <p:txBody>
+          <a:bodyPr wrap="square">
+            <a:spAutoFit/>
+          </a:bodyPr>
+          <a:lstStyle>
+            <a:defPPr>
+              <a:defRPr lang="ko-KR"/>
+            </a:defPPr>
+            <a:lvl1pPr marL="0" algn="l" defTabSz="914400" rtl="0" eaLnBrk="1" latinLnBrk="1" hangingPunct="1">
+              <a:defRPr sz="1800" kern="1200">
+                <a:solidFill>
+                  <a:schemeClr val="tx1"/>
+                </a:solidFill>
+                <a:latin typeface="+mn-lt"/>
+                <a:ea typeface="+mn-ea"/>
+                <a:cs typeface="+mn-cs"/>
+              </a:defRPr>
+            </a:lvl1pPr>
+            <a:lvl2pPr marL="457200" algn="l" defTabSz="914400" rtl="0" eaLnBrk="1" latinLnBrk="1" hangingPunct="1">
+              <a:defRPr sz="1800" kern="1200">
+                <a:solidFill>
+                  <a:schemeClr val="tx1"/>
+                </a:solidFill>
+                <a:latin typeface="+mn-lt"/>
+                <a:ea typeface="+mn-ea"/>
+                <a:cs typeface="+mn-cs"/>
+              </a:defRPr>
+            </a:lvl2pPr>
+            <a:lvl3pPr marL="914400" algn="l" defTabSz="914400" rtl="0" eaLnBrk="1" latinLnBrk="1" hangingPunct="1">
+              <a:defRPr sz="1800" kern="1200">
+                <a:solidFill>
+                  <a:schemeClr val="tx1"/>
+                </a:solidFill>
+                <a:latin typeface="+mn-lt"/>
+                <a:ea typeface="+mn-ea"/>
+                <a:cs typeface="+mn-cs"/>
+              </a:defRPr>
+            </a:lvl3pPr>
+            <a:lvl4pPr marL="1371600" algn="l" defTabSz="914400" rtl="0" eaLnBrk="1" latinLnBrk="1" hangingPunct="1">
+              <a:defRPr sz="1800" kern="1200">
+                <a:solidFill>
+                  <a:schemeClr val="tx1"/>
+                </a:solidFill>
+                <a:latin typeface="+mn-lt"/>
+                <a:ea typeface="+mn-ea"/>
+                <a:cs typeface="+mn-cs"/>
+              </a:defRPr>
+            </a:lvl4pPr>
+            <a:lvl5pPr marL="1828800" algn="l" defTabSz="914400" rtl="0" eaLnBrk="1" latinLnBrk="1" hangingPunct="1">
+              <a:defRPr sz="1800" kern="1200">
+                <a:solidFill>
+                  <a:schemeClr val="tx1"/>
+                </a:solidFill>
+                <a:latin typeface="+mn-lt"/>
+                <a:ea typeface="+mn-ea"/>
+                <a:cs typeface="+mn-cs"/>
+              </a:defRPr>
+            </a:lvl5pPr>
+            <a:lvl6pPr marL="2286000" algn="l" defTabSz="914400" rtl="0" eaLnBrk="1" latinLnBrk="1" hangingPunct="1">
+              <a:defRPr sz="1800" kern="1200">
+                <a:solidFill>
+                  <a:schemeClr val="tx1"/>
+                </a:solidFill>
+                <a:latin typeface="+mn-lt"/>
+                <a:ea typeface="+mn-ea"/>
+                <a:cs typeface="+mn-cs"/>
+              </a:defRPr>
+            </a:lvl6pPr>
+            <a:lvl7pPr marL="2743200" algn="l" defTabSz="914400" rtl="0" eaLnBrk="1" latinLnBrk="1" hangingPunct="1">
+              <a:defRPr sz="1800" kern="1200">
+                <a:solidFill>
+                  <a:schemeClr val="tx1"/>
+                </a:solidFill>
+                <a:latin typeface="+mn-lt"/>
+                <a:ea typeface="+mn-ea"/>
+                <a:cs typeface="+mn-cs"/>
+              </a:defRPr>
+            </a:lvl7pPr>
+            <a:lvl8pPr marL="3200400" algn="l" defTabSz="914400" rtl="0" eaLnBrk="1" latinLnBrk="1" hangingPunct="1">
+              <a:defRPr sz="1800" kern="1200">
+                <a:solidFill>
+                  <a:schemeClr val="tx1"/>
+                </a:solidFill>
+                <a:latin typeface="+mn-lt"/>
+                <a:ea typeface="+mn-ea"/>
+                <a:cs typeface="+mn-cs"/>
+              </a:defRPr>
+            </a:lvl8pPr>
+            <a:lvl9pPr marL="3657600" algn="l" defTabSz="914400" rtl="0" eaLnBrk="1" latinLnBrk="1" hangingPunct="1">
+              <a:defRPr sz="1800" kern="1200">
+                <a:solidFill>
+                  <a:schemeClr val="tx1"/>
+                </a:solidFill>
+                <a:latin typeface="+mn-lt"/>
+                <a:ea typeface="+mn-ea"/>
+                <a:cs typeface="+mn-cs"/>
+              </a:defRPr>
+            </a:lvl9pPr>
+          </a:lstStyle>
+          <a:p>
+            <a:pPr algn="r">
+              <a:defRPr/>
+            </a:pPr>
+            <a:r>
+              <a:rPr lang="en-US" altLang="ko-KR" sz="1400" b="1" dirty="0">
+                <a:solidFill>
+                  <a:schemeClr val="bg1"/>
+                </a:solidFill>
+                <a:cs typeface="Arial" pitchFamily="34" charset="0"/>
+              </a:rPr>
+              <a:t>Data Model</a:t>
+            </a:r>
+          </a:p>
+        </p:txBody>
+      </p:sp>
+      <p:sp>
+        <p:nvSpPr>
+          <p:cNvPr id="30" name="TextBox 10"/>
+          <p:cNvSpPr txBox="1"/>
+          <p:nvPr/>
+        </p:nvSpPr>
+        <p:spPr bwMode="auto">
+          <a:xfrm>
+            <a:off x="2595980" y="2707606"/>
+            <a:ext cx="3272009" cy="307777"/>
+          </a:xfrm>
+          <a:prstGeom prst="rect">
+            <a:avLst/>
+          </a:prstGeom>
+          <a:noFill/>
+          <a:effectLst/>
+        </p:spPr>
+        <p:txBody>
+          <a:bodyPr wrap="square">
+            <a:spAutoFit/>
+          </a:bodyPr>
+          <a:lstStyle>
+            <a:defPPr>
+              <a:defRPr lang="ko-KR"/>
+            </a:defPPr>
+            <a:lvl1pPr marL="0" algn="l" defTabSz="914400" rtl="0" eaLnBrk="1" latinLnBrk="1" hangingPunct="1">
+              <a:defRPr sz="1800" kern="1200">
+                <a:solidFill>
+                  <a:schemeClr val="tx1"/>
+                </a:solidFill>
+                <a:latin typeface="+mn-lt"/>
+                <a:ea typeface="+mn-ea"/>
+                <a:cs typeface="+mn-cs"/>
+              </a:defRPr>
+            </a:lvl1pPr>
+            <a:lvl2pPr marL="457200" algn="l" defTabSz="914400" rtl="0" eaLnBrk="1" latinLnBrk="1" hangingPunct="1">
+              <a:defRPr sz="1800" kern="1200">
+                <a:solidFill>
+                  <a:schemeClr val="tx1"/>
+                </a:solidFill>
+                <a:latin typeface="+mn-lt"/>
+                <a:ea typeface="+mn-ea"/>
+                <a:cs typeface="+mn-cs"/>
+              </a:defRPr>
+            </a:lvl2pPr>
+            <a:lvl3pPr marL="914400" algn="l" defTabSz="914400" rtl="0" eaLnBrk="1" latinLnBrk="1" hangingPunct="1">
+              <a:defRPr sz="1800" kern="1200">
+                <a:solidFill>
+                  <a:schemeClr val="tx1"/>
+                </a:solidFill>
+                <a:latin typeface="+mn-lt"/>
+                <a:ea typeface="+mn-ea"/>
+                <a:cs typeface="+mn-cs"/>
+              </a:defRPr>
+            </a:lvl3pPr>
+            <a:lvl4pPr marL="1371600" algn="l" defTabSz="914400" rtl="0" eaLnBrk="1" latinLnBrk="1" hangingPunct="1">
+              <a:defRPr sz="1800" kern="1200">
+                <a:solidFill>
+                  <a:schemeClr val="tx1"/>
+                </a:solidFill>
+                <a:latin typeface="+mn-lt"/>
+                <a:ea typeface="+mn-ea"/>
+                <a:cs typeface="+mn-cs"/>
+              </a:defRPr>
+            </a:lvl4pPr>
+            <a:lvl5pPr marL="1828800" algn="l" defTabSz="914400" rtl="0" eaLnBrk="1" latinLnBrk="1" hangingPunct="1">
+              <a:defRPr sz="1800" kern="1200">
+                <a:solidFill>
+                  <a:schemeClr val="tx1"/>
+                </a:solidFill>
+                <a:latin typeface="+mn-lt"/>
+                <a:ea typeface="+mn-ea"/>
+                <a:cs typeface="+mn-cs"/>
+              </a:defRPr>
+            </a:lvl5pPr>
+            <a:lvl6pPr marL="2286000" algn="l" defTabSz="914400" rtl="0" eaLnBrk="1" latinLnBrk="1" hangingPunct="1">
+              <a:defRPr sz="1800" kern="1200">
+                <a:solidFill>
+                  <a:schemeClr val="tx1"/>
+                </a:solidFill>
+                <a:latin typeface="+mn-lt"/>
+                <a:ea typeface="+mn-ea"/>
+                <a:cs typeface="+mn-cs"/>
+              </a:defRPr>
+            </a:lvl6pPr>
+            <a:lvl7pPr marL="2743200" algn="l" defTabSz="914400" rtl="0" eaLnBrk="1" latinLnBrk="1" hangingPunct="1">
+              <a:defRPr sz="1800" kern="1200">
+                <a:solidFill>
+                  <a:schemeClr val="tx1"/>
+                </a:solidFill>
+                <a:latin typeface="+mn-lt"/>
+                <a:ea typeface="+mn-ea"/>
+                <a:cs typeface="+mn-cs"/>
+              </a:defRPr>
+            </a:lvl7pPr>
+            <a:lvl8pPr marL="3200400" algn="l" defTabSz="914400" rtl="0" eaLnBrk="1" latinLnBrk="1" hangingPunct="1">
+              <a:defRPr sz="1800" kern="1200">
+                <a:solidFill>
+                  <a:schemeClr val="tx1"/>
+                </a:solidFill>
+                <a:latin typeface="+mn-lt"/>
+                <a:ea typeface="+mn-ea"/>
+                <a:cs typeface="+mn-cs"/>
+              </a:defRPr>
+            </a:lvl8pPr>
+            <a:lvl9pPr marL="3657600" algn="l" defTabSz="914400" rtl="0" eaLnBrk="1" latinLnBrk="1" hangingPunct="1">
+              <a:defRPr sz="1800" kern="1200">
+                <a:solidFill>
+                  <a:schemeClr val="tx1"/>
+                </a:solidFill>
+                <a:latin typeface="+mn-lt"/>
+                <a:ea typeface="+mn-ea"/>
+                <a:cs typeface="+mn-cs"/>
+              </a:defRPr>
+            </a:lvl9pPr>
+          </a:lstStyle>
+          <a:p>
+            <a:pPr algn="r">
+              <a:defRPr/>
+            </a:pPr>
+            <a:r>
+              <a:rPr lang="en-US" altLang="ko-KR" sz="1400" b="1" dirty="0">
+                <a:solidFill>
+                  <a:schemeClr val="bg1"/>
+                </a:solidFill>
+                <a:cs typeface="Arial" pitchFamily="34" charset="0"/>
+              </a:rPr>
+              <a:t>Learning Model</a:t>
+            </a:r>
+          </a:p>
+        </p:txBody>
+      </p:sp>
+      <p:sp>
+        <p:nvSpPr>
+          <p:cNvPr id="33" name="TextBox 10"/>
+          <p:cNvSpPr txBox="1"/>
+          <p:nvPr/>
+        </p:nvSpPr>
+        <p:spPr bwMode="auto">
+          <a:xfrm>
+            <a:off x="2595980" y="3818359"/>
+            <a:ext cx="3272009" cy="307777"/>
+          </a:xfrm>
+          <a:prstGeom prst="rect">
+            <a:avLst/>
+          </a:prstGeom>
+          <a:noFill/>
+          <a:effectLst/>
+        </p:spPr>
+        <p:txBody>
+          <a:bodyPr wrap="square">
+            <a:spAutoFit/>
+          </a:bodyPr>
+          <a:lstStyle>
+            <a:defPPr>
+              <a:defRPr lang="ko-KR"/>
+            </a:defPPr>
+            <a:lvl1pPr marL="0" algn="l" defTabSz="914400" rtl="0" eaLnBrk="1" latinLnBrk="1" hangingPunct="1">
+              <a:defRPr sz="1800" kern="1200">
+                <a:solidFill>
+                  <a:schemeClr val="tx1"/>
+                </a:solidFill>
+                <a:latin typeface="+mn-lt"/>
+                <a:ea typeface="+mn-ea"/>
+                <a:cs typeface="+mn-cs"/>
+              </a:defRPr>
+            </a:lvl1pPr>
+            <a:lvl2pPr marL="457200" algn="l" defTabSz="914400" rtl="0" eaLnBrk="1" latinLnBrk="1" hangingPunct="1">
+              <a:defRPr sz="1800" kern="1200">
+                <a:solidFill>
+                  <a:schemeClr val="tx1"/>
+                </a:solidFill>
+                <a:latin typeface="+mn-lt"/>
+                <a:ea typeface="+mn-ea"/>
+                <a:cs typeface="+mn-cs"/>
+              </a:defRPr>
+            </a:lvl2pPr>
+            <a:lvl3pPr marL="914400" algn="l" defTabSz="914400" rtl="0" eaLnBrk="1" latinLnBrk="1" hangingPunct="1">
+              <a:defRPr sz="1800" kern="1200">
+                <a:solidFill>
+                  <a:schemeClr val="tx1"/>
+                </a:solidFill>
+                <a:latin typeface="+mn-lt"/>
+                <a:ea typeface="+mn-ea"/>
+                <a:cs typeface="+mn-cs"/>
+              </a:defRPr>
+            </a:lvl3pPr>
+            <a:lvl4pPr marL="1371600" algn="l" defTabSz="914400" rtl="0" eaLnBrk="1" latinLnBrk="1" hangingPunct="1">
+              <a:defRPr sz="1800" kern="1200">
+                <a:solidFill>
+                  <a:schemeClr val="tx1"/>
+                </a:solidFill>
+                <a:latin typeface="+mn-lt"/>
+                <a:ea typeface="+mn-ea"/>
+                <a:cs typeface="+mn-cs"/>
+              </a:defRPr>
+            </a:lvl4pPr>
+            <a:lvl5pPr marL="1828800" algn="l" defTabSz="914400" rtl="0" eaLnBrk="1" latinLnBrk="1" hangingPunct="1">
+              <a:defRPr sz="1800" kern="1200">
+                <a:solidFill>
+                  <a:schemeClr val="tx1"/>
+                </a:solidFill>
+                <a:latin typeface="+mn-lt"/>
+                <a:ea typeface="+mn-ea"/>
+                <a:cs typeface="+mn-cs"/>
+              </a:defRPr>
+            </a:lvl5pPr>
+            <a:lvl6pPr marL="2286000" algn="l" defTabSz="914400" rtl="0" eaLnBrk="1" latinLnBrk="1" hangingPunct="1">
+              <a:defRPr sz="1800" kern="1200">
+                <a:solidFill>
+                  <a:schemeClr val="tx1"/>
+                </a:solidFill>
+                <a:latin typeface="+mn-lt"/>
+                <a:ea typeface="+mn-ea"/>
+                <a:cs typeface="+mn-cs"/>
+              </a:defRPr>
+            </a:lvl6pPr>
+            <a:lvl7pPr marL="2743200" algn="l" defTabSz="914400" rtl="0" eaLnBrk="1" latinLnBrk="1" hangingPunct="1">
+              <a:defRPr sz="1800" kern="1200">
+                <a:solidFill>
+                  <a:schemeClr val="tx1"/>
+                </a:solidFill>
+                <a:latin typeface="+mn-lt"/>
+                <a:ea typeface="+mn-ea"/>
+                <a:cs typeface="+mn-cs"/>
+              </a:defRPr>
+            </a:lvl7pPr>
+            <a:lvl8pPr marL="3200400" algn="l" defTabSz="914400" rtl="0" eaLnBrk="1" latinLnBrk="1" hangingPunct="1">
+              <a:defRPr sz="1800" kern="1200">
+                <a:solidFill>
+                  <a:schemeClr val="tx1"/>
+                </a:solidFill>
+                <a:latin typeface="+mn-lt"/>
+                <a:ea typeface="+mn-ea"/>
+                <a:cs typeface="+mn-cs"/>
+              </a:defRPr>
+            </a:lvl8pPr>
+            <a:lvl9pPr marL="3657600" algn="l" defTabSz="914400" rtl="0" eaLnBrk="1" latinLnBrk="1" hangingPunct="1">
+              <a:defRPr sz="1800" kern="1200">
+                <a:solidFill>
+                  <a:schemeClr val="tx1"/>
+                </a:solidFill>
+                <a:latin typeface="+mn-lt"/>
+                <a:ea typeface="+mn-ea"/>
+                <a:cs typeface="+mn-cs"/>
+              </a:defRPr>
+            </a:lvl9pPr>
+          </a:lstStyle>
+          <a:p>
+            <a:pPr algn="r">
+              <a:defRPr/>
+            </a:pPr>
+            <a:r>
+              <a:rPr lang="en-US" altLang="ko-KR" sz="1400" b="1" dirty="0">
+                <a:solidFill>
+                  <a:schemeClr val="bg1"/>
+                </a:solidFill>
+                <a:cs typeface="Arial" pitchFamily="34" charset="0"/>
+              </a:rPr>
+              <a:t>Recommendation Result</a:t>
+            </a:r>
+          </a:p>
+        </p:txBody>
+      </p:sp>
+    </p:spTree>
+    <p:extLst>
+      <p:ext uri="{BB962C8B-B14F-4D97-AF65-F5344CB8AC3E}">
+        <p14:creationId xmlns:p14="http://schemas.microsoft.com/office/powerpoint/2010/main" val="1095055991"/>
+      </p:ext>
+    </p:extLst>
+  </p:cSld>
+  <p:clrMapOvr>
+    <a:masterClrMapping/>
+  </p:clrMapOvr>
+</p:sld>
+</file>
+
+<file path=ppt/slides/slide20.xml><?xml version="1.0" encoding="utf-8"?>
 <p:sld xmlns:a="http://schemas.openxmlformats.org/drawingml/2006/main" xmlns:r="http://schemas.openxmlformats.org/officeDocument/2006/relationships" xmlns:p="http://schemas.openxmlformats.org/presentationml/2006/main">
   <p:cSld>
     <p:spTree>
@@ -6350,1457 +9671,6 @@
     <p:extLst>
       <p:ext uri="{BB962C8B-B14F-4D97-AF65-F5344CB8AC3E}">
         <p14:creationId xmlns:p14="http://schemas.microsoft.com/office/powerpoint/2010/main" val="61455909"/>
-      </p:ext>
-    </p:extLst>
-  </p:cSld>
-  <p:clrMapOvr>
-    <a:masterClrMapping/>
-  </p:clrMapOvr>
-</p:sld>
-</file>
-
-<file path=ppt/slides/slide2.xml><?xml version="1.0" encoding="utf-8"?>
-<p:sld xmlns:a="http://schemas.openxmlformats.org/drawingml/2006/main" xmlns:r="http://schemas.openxmlformats.org/officeDocument/2006/relationships" xmlns:p="http://schemas.openxmlformats.org/presentationml/2006/main">
-  <p:cSld>
-    <p:spTree>
-      <p:nvGrpSpPr>
-        <p:cNvPr id="1" name=""/>
-        <p:cNvGrpSpPr/>
-        <p:nvPr/>
-      </p:nvGrpSpPr>
-      <p:grpSpPr>
-        <a:xfrm>
-          <a:off x="0" y="0"/>
-          <a:ext cx="0" cy="0"/>
-          <a:chOff x="0" y="0"/>
-          <a:chExt cx="0" cy="0"/>
-        </a:xfrm>
-      </p:grpSpPr>
-      <p:sp>
-        <p:nvSpPr>
-          <p:cNvPr id="3" name="Title 2"/>
-          <p:cNvSpPr txBox="1">
-            <a:spLocks/>
-          </p:cNvSpPr>
-          <p:nvPr/>
-        </p:nvSpPr>
-        <p:spPr>
-          <a:xfrm>
-            <a:off x="395536" y="536274"/>
-            <a:ext cx="1944216" cy="1171380"/>
-          </a:xfrm>
-          <a:prstGeom prst="rect">
-            <a:avLst/>
-          </a:prstGeom>
-        </p:spPr>
-        <p:txBody>
-          <a:bodyPr anchor="ctr"/>
-          <a:lstStyle>
-            <a:lvl1pPr algn="ctr" defTabSz="914400" rtl="0" eaLnBrk="1" latinLnBrk="1" hangingPunct="1">
-              <a:spcBef>
-                <a:spcPct val="0"/>
-              </a:spcBef>
-              <a:buNone/>
-              <a:defRPr sz="4400" kern="1200">
-                <a:solidFill>
-                  <a:schemeClr val="tx1"/>
-                </a:solidFill>
-                <a:latin typeface="+mj-lt"/>
-                <a:ea typeface="+mj-ea"/>
-                <a:cs typeface="+mj-cs"/>
-              </a:defRPr>
-            </a:lvl1pPr>
-          </a:lstStyle>
-          <a:p>
-            <a:pPr algn="l"/>
-            <a:r>
-              <a:rPr lang="en-US" sz="3600" b="1" dirty="0">
-                <a:solidFill>
-                  <a:schemeClr val="bg1"/>
-                </a:solidFill>
-                <a:cs typeface="Arial" pitchFamily="34" charset="0"/>
-              </a:rPr>
-              <a:t>INDEX</a:t>
-            </a:r>
-          </a:p>
-        </p:txBody>
-      </p:sp>
-      <p:sp>
-        <p:nvSpPr>
-          <p:cNvPr id="2" name="Rectangle 1"/>
-          <p:cNvSpPr/>
-          <p:nvPr/>
-        </p:nvSpPr>
-        <p:spPr>
-          <a:xfrm>
-            <a:off x="7236296" y="0"/>
-            <a:ext cx="1907704" cy="5143500"/>
-          </a:xfrm>
-          <a:prstGeom prst="rect">
-            <a:avLst/>
-          </a:prstGeom>
-          <a:solidFill>
-            <a:schemeClr val="bg1"/>
-          </a:solidFill>
-          <a:ln>
-            <a:noFill/>
-          </a:ln>
-        </p:spPr>
-        <p:style>
-          <a:lnRef idx="2">
-            <a:schemeClr val="accent1">
-              <a:shade val="50000"/>
-            </a:schemeClr>
-          </a:lnRef>
-          <a:fillRef idx="1">
-            <a:schemeClr val="accent1"/>
-          </a:fillRef>
-          <a:effectRef idx="0">
-            <a:schemeClr val="accent1"/>
-          </a:effectRef>
-          <a:fontRef idx="minor">
-            <a:schemeClr val="lt1"/>
-          </a:fontRef>
-        </p:style>
-        <p:txBody>
-          <a:bodyPr rtlCol="0" anchor="ctr"/>
-          <a:lstStyle/>
-          <a:p>
-            <a:pPr algn="ctr"/>
-            <a:endParaRPr lang="ko-KR" altLang="en-US"/>
-          </a:p>
-        </p:txBody>
-      </p:sp>
-      <p:sp>
-        <p:nvSpPr>
-          <p:cNvPr id="4" name="Right Arrow 3"/>
-          <p:cNvSpPr/>
-          <p:nvPr/>
-        </p:nvSpPr>
-        <p:spPr>
-          <a:xfrm rot="20539464">
-            <a:off x="7124472" y="872359"/>
-            <a:ext cx="1334134" cy="1058306"/>
-          </a:xfrm>
-          <a:custGeom>
-            <a:avLst/>
-            <a:gdLst/>
-            <a:ahLst/>
-            <a:cxnLst/>
-            <a:rect l="l" t="t" r="r" b="b"/>
-            <a:pathLst>
-              <a:path w="1334134" h="1058306">
-                <a:moveTo>
-                  <a:pt x="804981" y="0"/>
-                </a:moveTo>
-                <a:lnTo>
-                  <a:pt x="1334134" y="529153"/>
-                </a:lnTo>
-                <a:lnTo>
-                  <a:pt x="804981" y="1058306"/>
-                </a:lnTo>
-                <a:lnTo>
-                  <a:pt x="804981" y="793730"/>
-                </a:lnTo>
-                <a:lnTo>
-                  <a:pt x="0" y="793730"/>
-                </a:lnTo>
-                <a:lnTo>
-                  <a:pt x="168626" y="264577"/>
-                </a:lnTo>
-                <a:lnTo>
-                  <a:pt x="804981" y="264577"/>
-                </a:lnTo>
-                <a:close/>
-              </a:path>
-            </a:pathLst>
-          </a:custGeom>
-          <a:solidFill>
-            <a:schemeClr val="accent2"/>
-          </a:solidFill>
-          <a:ln>
-            <a:noFill/>
-          </a:ln>
-        </p:spPr>
-        <p:style>
-          <a:lnRef idx="2">
-            <a:schemeClr val="accent1">
-              <a:shade val="50000"/>
-            </a:schemeClr>
-          </a:lnRef>
-          <a:fillRef idx="1">
-            <a:schemeClr val="accent1"/>
-          </a:fillRef>
-          <a:effectRef idx="0">
-            <a:schemeClr val="accent1"/>
-          </a:effectRef>
-          <a:fontRef idx="minor">
-            <a:schemeClr val="lt1"/>
-          </a:fontRef>
-        </p:style>
-        <p:txBody>
-          <a:bodyPr rtlCol="0" anchor="ctr"/>
-          <a:lstStyle/>
-          <a:p>
-            <a:pPr algn="ctr"/>
-            <a:endParaRPr lang="ko-KR" altLang="en-US"/>
-          </a:p>
-        </p:txBody>
-      </p:sp>
-      <p:sp>
-        <p:nvSpPr>
-          <p:cNvPr id="5" name="Right Arrow 4"/>
-          <p:cNvSpPr/>
-          <p:nvPr/>
-        </p:nvSpPr>
-        <p:spPr>
-          <a:xfrm rot="20539464">
-            <a:off x="7124472" y="1976473"/>
-            <a:ext cx="1334134" cy="1058306"/>
-          </a:xfrm>
-          <a:custGeom>
-            <a:avLst/>
-            <a:gdLst/>
-            <a:ahLst/>
-            <a:cxnLst/>
-            <a:rect l="l" t="t" r="r" b="b"/>
-            <a:pathLst>
-              <a:path w="1334134" h="1058306">
-                <a:moveTo>
-                  <a:pt x="804981" y="0"/>
-                </a:moveTo>
-                <a:lnTo>
-                  <a:pt x="1334134" y="529153"/>
-                </a:lnTo>
-                <a:lnTo>
-                  <a:pt x="804981" y="1058306"/>
-                </a:lnTo>
-                <a:lnTo>
-                  <a:pt x="804981" y="793730"/>
-                </a:lnTo>
-                <a:lnTo>
-                  <a:pt x="0" y="793730"/>
-                </a:lnTo>
-                <a:lnTo>
-                  <a:pt x="168626" y="264577"/>
-                </a:lnTo>
-                <a:lnTo>
-                  <a:pt x="804981" y="264577"/>
-                </a:lnTo>
-                <a:close/>
-              </a:path>
-            </a:pathLst>
-          </a:custGeom>
-          <a:solidFill>
-            <a:schemeClr val="accent2"/>
-          </a:solidFill>
-          <a:ln>
-            <a:noFill/>
-          </a:ln>
-        </p:spPr>
-        <p:style>
-          <a:lnRef idx="2">
-            <a:schemeClr val="accent1">
-              <a:shade val="50000"/>
-            </a:schemeClr>
-          </a:lnRef>
-          <a:fillRef idx="1">
-            <a:schemeClr val="accent1"/>
-          </a:fillRef>
-          <a:effectRef idx="0">
-            <a:schemeClr val="accent1"/>
-          </a:effectRef>
-          <a:fontRef idx="minor">
-            <a:schemeClr val="lt1"/>
-          </a:fontRef>
-        </p:style>
-        <p:txBody>
-          <a:bodyPr rtlCol="0" anchor="ctr"/>
-          <a:lstStyle/>
-          <a:p>
-            <a:pPr algn="ctr"/>
-            <a:endParaRPr lang="ko-KR" altLang="en-US"/>
-          </a:p>
-        </p:txBody>
-      </p:sp>
-      <p:sp>
-        <p:nvSpPr>
-          <p:cNvPr id="6" name="Right Arrow 5"/>
-          <p:cNvSpPr/>
-          <p:nvPr/>
-        </p:nvSpPr>
-        <p:spPr>
-          <a:xfrm rot="20539464">
-            <a:off x="7124472" y="3080587"/>
-            <a:ext cx="1334134" cy="1058306"/>
-          </a:xfrm>
-          <a:custGeom>
-            <a:avLst/>
-            <a:gdLst/>
-            <a:ahLst/>
-            <a:cxnLst/>
-            <a:rect l="l" t="t" r="r" b="b"/>
-            <a:pathLst>
-              <a:path w="1334134" h="1058306">
-                <a:moveTo>
-                  <a:pt x="804981" y="0"/>
-                </a:moveTo>
-                <a:lnTo>
-                  <a:pt x="1334134" y="529153"/>
-                </a:lnTo>
-                <a:lnTo>
-                  <a:pt x="804981" y="1058306"/>
-                </a:lnTo>
-                <a:lnTo>
-                  <a:pt x="804981" y="793730"/>
-                </a:lnTo>
-                <a:lnTo>
-                  <a:pt x="0" y="793730"/>
-                </a:lnTo>
-                <a:lnTo>
-                  <a:pt x="168626" y="264577"/>
-                </a:lnTo>
-                <a:lnTo>
-                  <a:pt x="804981" y="264577"/>
-                </a:lnTo>
-                <a:close/>
-              </a:path>
-            </a:pathLst>
-          </a:custGeom>
-          <a:solidFill>
-            <a:schemeClr val="accent2"/>
-          </a:solidFill>
-          <a:ln>
-            <a:noFill/>
-          </a:ln>
-        </p:spPr>
-        <p:style>
-          <a:lnRef idx="2">
-            <a:schemeClr val="accent1">
-              <a:shade val="50000"/>
-            </a:schemeClr>
-          </a:lnRef>
-          <a:fillRef idx="1">
-            <a:schemeClr val="accent1"/>
-          </a:fillRef>
-          <a:effectRef idx="0">
-            <a:schemeClr val="accent1"/>
-          </a:effectRef>
-          <a:fontRef idx="minor">
-            <a:schemeClr val="lt1"/>
-          </a:fontRef>
-        </p:style>
-        <p:txBody>
-          <a:bodyPr rtlCol="0" anchor="ctr"/>
-          <a:lstStyle/>
-          <a:p>
-            <a:pPr algn="ctr"/>
-            <a:endParaRPr lang="ko-KR" altLang="en-US"/>
-          </a:p>
-        </p:txBody>
-      </p:sp>
-      <p:sp>
-        <p:nvSpPr>
-          <p:cNvPr id="7" name="Right Arrow 6"/>
-          <p:cNvSpPr/>
-          <p:nvPr/>
-        </p:nvSpPr>
-        <p:spPr>
-          <a:xfrm rot="1060536" flipH="1">
-            <a:off x="5964349" y="1424416"/>
-            <a:ext cx="1383499" cy="1058306"/>
-          </a:xfrm>
-          <a:prstGeom prst="rightArrow">
-            <a:avLst/>
-          </a:prstGeom>
-          <a:solidFill>
-            <a:schemeClr val="bg1"/>
-          </a:solidFill>
-          <a:ln>
-            <a:noFill/>
-          </a:ln>
-        </p:spPr>
-        <p:style>
-          <a:lnRef idx="2">
-            <a:schemeClr val="accent1">
-              <a:shade val="50000"/>
-            </a:schemeClr>
-          </a:lnRef>
-          <a:fillRef idx="1">
-            <a:schemeClr val="accent1"/>
-          </a:fillRef>
-          <a:effectRef idx="0">
-            <a:schemeClr val="accent1"/>
-          </a:effectRef>
-          <a:fontRef idx="minor">
-            <a:schemeClr val="lt1"/>
-          </a:fontRef>
-        </p:style>
-        <p:txBody>
-          <a:bodyPr rtlCol="0" anchor="ctr"/>
-          <a:lstStyle/>
-          <a:p>
-            <a:pPr algn="ctr"/>
-            <a:endParaRPr lang="ko-KR" altLang="en-US"/>
-          </a:p>
-        </p:txBody>
-      </p:sp>
-      <p:sp>
-        <p:nvSpPr>
-          <p:cNvPr id="8" name="Right Arrow 7"/>
-          <p:cNvSpPr/>
-          <p:nvPr/>
-        </p:nvSpPr>
-        <p:spPr>
-          <a:xfrm rot="1060536" flipH="1">
-            <a:off x="5964349" y="2528530"/>
-            <a:ext cx="1383499" cy="1058306"/>
-          </a:xfrm>
-          <a:prstGeom prst="rightArrow">
-            <a:avLst/>
-          </a:prstGeom>
-          <a:solidFill>
-            <a:schemeClr val="bg1"/>
-          </a:solidFill>
-          <a:ln>
-            <a:noFill/>
-          </a:ln>
-        </p:spPr>
-        <p:style>
-          <a:lnRef idx="2">
-            <a:schemeClr val="accent1">
-              <a:shade val="50000"/>
-            </a:schemeClr>
-          </a:lnRef>
-          <a:fillRef idx="1">
-            <a:schemeClr val="accent1"/>
-          </a:fillRef>
-          <a:effectRef idx="0">
-            <a:schemeClr val="accent1"/>
-          </a:effectRef>
-          <a:fontRef idx="minor">
-            <a:schemeClr val="lt1"/>
-          </a:fontRef>
-        </p:style>
-        <p:txBody>
-          <a:bodyPr rtlCol="0" anchor="ctr"/>
-          <a:lstStyle/>
-          <a:p>
-            <a:pPr algn="ctr"/>
-            <a:endParaRPr lang="ko-KR" altLang="en-US"/>
-          </a:p>
-        </p:txBody>
-      </p:sp>
-      <p:sp>
-        <p:nvSpPr>
-          <p:cNvPr id="9" name="Right Arrow 8"/>
-          <p:cNvSpPr/>
-          <p:nvPr/>
-        </p:nvSpPr>
-        <p:spPr>
-          <a:xfrm rot="1060536" flipH="1">
-            <a:off x="5964349" y="3632646"/>
-            <a:ext cx="1383499" cy="1058306"/>
-          </a:xfrm>
-          <a:prstGeom prst="rightArrow">
-            <a:avLst/>
-          </a:prstGeom>
-          <a:solidFill>
-            <a:schemeClr val="bg1"/>
-          </a:solidFill>
-          <a:ln>
-            <a:noFill/>
-          </a:ln>
-        </p:spPr>
-        <p:style>
-          <a:lnRef idx="2">
-            <a:schemeClr val="accent1">
-              <a:shade val="50000"/>
-            </a:schemeClr>
-          </a:lnRef>
-          <a:fillRef idx="1">
-            <a:schemeClr val="accent1"/>
-          </a:fillRef>
-          <a:effectRef idx="0">
-            <a:schemeClr val="accent1"/>
-          </a:effectRef>
-          <a:fontRef idx="minor">
-            <a:schemeClr val="lt1"/>
-          </a:fontRef>
-        </p:style>
-        <p:txBody>
-          <a:bodyPr rtlCol="0" anchor="ctr"/>
-          <a:lstStyle/>
-          <a:p>
-            <a:pPr algn="ctr"/>
-            <a:endParaRPr lang="ko-KR" altLang="en-US"/>
-          </a:p>
-        </p:txBody>
-      </p:sp>
-      <p:sp>
-        <p:nvSpPr>
-          <p:cNvPr id="13" name="Right Arrow 12"/>
-          <p:cNvSpPr/>
-          <p:nvPr/>
-        </p:nvSpPr>
-        <p:spPr>
-          <a:xfrm rot="1060536" flipH="1">
-            <a:off x="5964349" y="314404"/>
-            <a:ext cx="1383499" cy="1058306"/>
-          </a:xfrm>
-          <a:prstGeom prst="rightArrow">
-            <a:avLst/>
-          </a:prstGeom>
-          <a:solidFill>
-            <a:schemeClr val="bg1"/>
-          </a:solidFill>
-          <a:ln>
-            <a:noFill/>
-          </a:ln>
-        </p:spPr>
-        <p:style>
-          <a:lnRef idx="2">
-            <a:schemeClr val="accent1">
-              <a:shade val="50000"/>
-            </a:schemeClr>
-          </a:lnRef>
-          <a:fillRef idx="1">
-            <a:schemeClr val="accent1"/>
-          </a:fillRef>
-          <a:effectRef idx="0">
-            <a:schemeClr val="accent1"/>
-          </a:effectRef>
-          <a:fontRef idx="minor">
-            <a:schemeClr val="lt1"/>
-          </a:fontRef>
-        </p:style>
-        <p:txBody>
-          <a:bodyPr rtlCol="0" anchor="ctr"/>
-          <a:lstStyle/>
-          <a:p>
-            <a:pPr algn="ctr"/>
-            <a:endParaRPr lang="ko-KR" altLang="en-US"/>
-          </a:p>
-        </p:txBody>
-      </p:sp>
-      <p:sp>
-        <p:nvSpPr>
-          <p:cNvPr id="14" name="Right Arrow 5"/>
-          <p:cNvSpPr/>
-          <p:nvPr/>
-        </p:nvSpPr>
-        <p:spPr>
-          <a:xfrm rot="20539464">
-            <a:off x="7117193" y="4189468"/>
-            <a:ext cx="1334134" cy="1058306"/>
-          </a:xfrm>
-          <a:custGeom>
-            <a:avLst/>
-            <a:gdLst/>
-            <a:ahLst/>
-            <a:cxnLst/>
-            <a:rect l="l" t="t" r="r" b="b"/>
-            <a:pathLst>
-              <a:path w="1334134" h="1058306">
-                <a:moveTo>
-                  <a:pt x="804981" y="0"/>
-                </a:moveTo>
-                <a:lnTo>
-                  <a:pt x="1334134" y="529153"/>
-                </a:lnTo>
-                <a:lnTo>
-                  <a:pt x="804981" y="1058306"/>
-                </a:lnTo>
-                <a:lnTo>
-                  <a:pt x="804981" y="793730"/>
-                </a:lnTo>
-                <a:lnTo>
-                  <a:pt x="0" y="793730"/>
-                </a:lnTo>
-                <a:lnTo>
-                  <a:pt x="168626" y="264577"/>
-                </a:lnTo>
-                <a:lnTo>
-                  <a:pt x="804981" y="264577"/>
-                </a:lnTo>
-                <a:close/>
-              </a:path>
-            </a:pathLst>
-          </a:custGeom>
-          <a:solidFill>
-            <a:schemeClr val="accent2"/>
-          </a:solidFill>
-          <a:ln>
-            <a:noFill/>
-          </a:ln>
-        </p:spPr>
-        <p:style>
-          <a:lnRef idx="2">
-            <a:schemeClr val="accent1">
-              <a:shade val="50000"/>
-            </a:schemeClr>
-          </a:lnRef>
-          <a:fillRef idx="1">
-            <a:schemeClr val="accent1"/>
-          </a:fillRef>
-          <a:effectRef idx="0">
-            <a:schemeClr val="accent1"/>
-          </a:effectRef>
-          <a:fontRef idx="minor">
-            <a:schemeClr val="lt1"/>
-          </a:fontRef>
-        </p:style>
-        <p:txBody>
-          <a:bodyPr rtlCol="0" anchor="ctr"/>
-          <a:lstStyle/>
-          <a:p>
-            <a:pPr algn="ctr"/>
-            <a:endParaRPr lang="ko-KR" altLang="en-US"/>
-          </a:p>
-        </p:txBody>
-      </p:sp>
-      <p:sp>
-        <p:nvSpPr>
-          <p:cNvPr id="15" name="Right Arrow 3"/>
-          <p:cNvSpPr/>
-          <p:nvPr/>
-        </p:nvSpPr>
-        <p:spPr>
-          <a:xfrm rot="20539464">
-            <a:off x="7157361" y="12575"/>
-            <a:ext cx="1334133" cy="793729"/>
-          </a:xfrm>
-          <a:custGeom>
-            <a:avLst/>
-            <a:gdLst/>
-            <a:ahLst/>
-            <a:cxnLst/>
-            <a:rect l="l" t="t" r="r" b="b"/>
-            <a:pathLst>
-              <a:path w="1334133" h="793729">
-                <a:moveTo>
-                  <a:pt x="788394" y="0"/>
-                </a:moveTo>
-                <a:lnTo>
-                  <a:pt x="1201063" y="131506"/>
-                </a:lnTo>
-                <a:lnTo>
-                  <a:pt x="1334133" y="264576"/>
-                </a:lnTo>
-                <a:lnTo>
-                  <a:pt x="804981" y="793729"/>
-                </a:lnTo>
-                <a:lnTo>
-                  <a:pt x="804981" y="529153"/>
-                </a:lnTo>
-                <a:lnTo>
-                  <a:pt x="0" y="529153"/>
-                </a:lnTo>
-                <a:lnTo>
-                  <a:pt x="168626" y="0"/>
-                </a:lnTo>
-                <a:close/>
-              </a:path>
-            </a:pathLst>
-          </a:custGeom>
-          <a:solidFill>
-            <a:schemeClr val="accent2"/>
-          </a:solidFill>
-          <a:ln>
-            <a:noFill/>
-          </a:ln>
-        </p:spPr>
-        <p:style>
-          <a:lnRef idx="2">
-            <a:schemeClr val="accent1">
-              <a:shade val="50000"/>
-            </a:schemeClr>
-          </a:lnRef>
-          <a:fillRef idx="1">
-            <a:schemeClr val="accent1"/>
-          </a:fillRef>
-          <a:effectRef idx="0">
-            <a:schemeClr val="accent1"/>
-          </a:effectRef>
-          <a:fontRef idx="minor">
-            <a:schemeClr val="lt1"/>
-          </a:fontRef>
-        </p:style>
-        <p:txBody>
-          <a:bodyPr rtlCol="0" anchor="ctr"/>
-          <a:lstStyle/>
-          <a:p>
-            <a:pPr algn="ctr"/>
-            <a:endParaRPr lang="ko-KR" altLang="en-US"/>
-          </a:p>
-        </p:txBody>
-      </p:sp>
-      <p:sp>
-        <p:nvSpPr>
-          <p:cNvPr id="17" name="Right Arrow 16"/>
-          <p:cNvSpPr/>
-          <p:nvPr/>
-        </p:nvSpPr>
-        <p:spPr>
-          <a:xfrm rot="1060536" flipH="1">
-            <a:off x="6020816" y="4705082"/>
-            <a:ext cx="1184167" cy="614682"/>
-          </a:xfrm>
-          <a:custGeom>
-            <a:avLst/>
-            <a:gdLst/>
-            <a:ahLst/>
-            <a:cxnLst/>
-            <a:rect l="l" t="t" r="r" b="b"/>
-            <a:pathLst>
-              <a:path w="1184167" h="614682">
-                <a:moveTo>
-                  <a:pt x="655014" y="0"/>
-                </a:moveTo>
-                <a:lnTo>
-                  <a:pt x="655014" y="264577"/>
-                </a:lnTo>
-                <a:lnTo>
-                  <a:pt x="0" y="264577"/>
-                </a:lnTo>
-                <a:lnTo>
-                  <a:pt x="1098638" y="614682"/>
-                </a:lnTo>
-                <a:lnTo>
-                  <a:pt x="1184167" y="529153"/>
-                </a:lnTo>
-                <a:close/>
-              </a:path>
-            </a:pathLst>
-          </a:custGeom>
-          <a:solidFill>
-            <a:schemeClr val="bg1"/>
-          </a:solidFill>
-          <a:ln>
-            <a:noFill/>
-          </a:ln>
-        </p:spPr>
-        <p:style>
-          <a:lnRef idx="2">
-            <a:schemeClr val="accent1">
-              <a:shade val="50000"/>
-            </a:schemeClr>
-          </a:lnRef>
-          <a:fillRef idx="1">
-            <a:schemeClr val="accent1"/>
-          </a:fillRef>
-          <a:effectRef idx="0">
-            <a:schemeClr val="accent1"/>
-          </a:effectRef>
-          <a:fontRef idx="minor">
-            <a:schemeClr val="lt1"/>
-          </a:fontRef>
-        </p:style>
-        <p:txBody>
-          <a:bodyPr rtlCol="0" anchor="ctr"/>
-          <a:lstStyle/>
-          <a:p>
-            <a:pPr algn="ctr"/>
-            <a:endParaRPr lang="ko-KR" altLang="en-US"/>
-          </a:p>
-        </p:txBody>
-      </p:sp>
-      <p:sp>
-        <p:nvSpPr>
-          <p:cNvPr id="19" name="TextBox 18"/>
-          <p:cNvSpPr txBox="1"/>
-          <p:nvPr/>
-        </p:nvSpPr>
-        <p:spPr>
-          <a:xfrm>
-            <a:off x="6137614" y="528443"/>
-            <a:ext cx="554143" cy="461665"/>
-          </a:xfrm>
-          <a:prstGeom prst="rect">
-            <a:avLst/>
-          </a:prstGeom>
-          <a:noFill/>
-        </p:spPr>
-        <p:txBody>
-          <a:bodyPr wrap="square" rtlCol="0">
-            <a:spAutoFit/>
-          </a:bodyPr>
-          <a:lstStyle/>
-          <a:p>
-            <a:pPr algn="ctr"/>
-            <a:r>
-              <a:rPr lang="en-US" altLang="ko-KR" sz="2400" b="1" dirty="0">
-                <a:solidFill>
-                  <a:schemeClr val="accent2"/>
-                </a:solidFill>
-                <a:cs typeface="Arial" pitchFamily="34" charset="0"/>
-              </a:rPr>
-              <a:t>01</a:t>
-            </a:r>
-            <a:endParaRPr lang="ko-KR" altLang="en-US" sz="2400" b="1" dirty="0">
-              <a:solidFill>
-                <a:schemeClr val="accent2"/>
-              </a:solidFill>
-              <a:cs typeface="Arial" pitchFamily="34" charset="0"/>
-            </a:endParaRPr>
-          </a:p>
-        </p:txBody>
-      </p:sp>
-      <p:sp>
-        <p:nvSpPr>
-          <p:cNvPr id="20" name="TextBox 19"/>
-          <p:cNvSpPr txBox="1"/>
-          <p:nvPr/>
-        </p:nvSpPr>
-        <p:spPr>
-          <a:xfrm>
-            <a:off x="6137614" y="1646559"/>
-            <a:ext cx="554143" cy="461665"/>
-          </a:xfrm>
-          <a:prstGeom prst="rect">
-            <a:avLst/>
-          </a:prstGeom>
-          <a:noFill/>
-        </p:spPr>
-        <p:txBody>
-          <a:bodyPr wrap="square" rtlCol="0">
-            <a:spAutoFit/>
-          </a:bodyPr>
-          <a:lstStyle/>
-          <a:p>
-            <a:pPr algn="ctr"/>
-            <a:r>
-              <a:rPr lang="en-US" altLang="ko-KR" sz="2400" b="1" dirty="0">
-                <a:solidFill>
-                  <a:schemeClr val="accent2"/>
-                </a:solidFill>
-                <a:cs typeface="Arial" pitchFamily="34" charset="0"/>
-              </a:rPr>
-              <a:t>02</a:t>
-            </a:r>
-            <a:endParaRPr lang="ko-KR" altLang="en-US" sz="2400" b="1" dirty="0">
-              <a:solidFill>
-                <a:schemeClr val="accent2"/>
-              </a:solidFill>
-              <a:cs typeface="Arial" pitchFamily="34" charset="0"/>
-            </a:endParaRPr>
-          </a:p>
-        </p:txBody>
-      </p:sp>
-      <p:sp>
-        <p:nvSpPr>
-          <p:cNvPr id="21" name="TextBox 20"/>
-          <p:cNvSpPr txBox="1"/>
-          <p:nvPr/>
-        </p:nvSpPr>
-        <p:spPr>
-          <a:xfrm>
-            <a:off x="6137614" y="2764675"/>
-            <a:ext cx="554143" cy="461665"/>
-          </a:xfrm>
-          <a:prstGeom prst="rect">
-            <a:avLst/>
-          </a:prstGeom>
-          <a:noFill/>
-        </p:spPr>
-        <p:txBody>
-          <a:bodyPr wrap="square" rtlCol="0">
-            <a:spAutoFit/>
-          </a:bodyPr>
-          <a:lstStyle/>
-          <a:p>
-            <a:pPr algn="ctr"/>
-            <a:r>
-              <a:rPr lang="en-US" altLang="ko-KR" sz="2400" b="1" dirty="0">
-                <a:solidFill>
-                  <a:schemeClr val="accent2"/>
-                </a:solidFill>
-                <a:cs typeface="Arial" pitchFamily="34" charset="0"/>
-              </a:rPr>
-              <a:t>03</a:t>
-            </a:r>
-            <a:endParaRPr lang="ko-KR" altLang="en-US" sz="2400" b="1" dirty="0">
-              <a:solidFill>
-                <a:schemeClr val="accent2"/>
-              </a:solidFill>
-              <a:cs typeface="Arial" pitchFamily="34" charset="0"/>
-            </a:endParaRPr>
-          </a:p>
-        </p:txBody>
-      </p:sp>
-      <p:sp>
-        <p:nvSpPr>
-          <p:cNvPr id="22" name="TextBox 21"/>
-          <p:cNvSpPr txBox="1"/>
-          <p:nvPr/>
-        </p:nvSpPr>
-        <p:spPr>
-          <a:xfrm>
-            <a:off x="6137614" y="3882791"/>
-            <a:ext cx="554143" cy="461665"/>
-          </a:xfrm>
-          <a:prstGeom prst="rect">
-            <a:avLst/>
-          </a:prstGeom>
-          <a:noFill/>
-        </p:spPr>
-        <p:txBody>
-          <a:bodyPr wrap="square" rtlCol="0">
-            <a:spAutoFit/>
-          </a:bodyPr>
-          <a:lstStyle/>
-          <a:p>
-            <a:pPr algn="ctr"/>
-            <a:r>
-              <a:rPr lang="en-US" altLang="ko-KR" sz="2400" b="1" dirty="0">
-                <a:solidFill>
-                  <a:schemeClr val="accent2"/>
-                </a:solidFill>
-                <a:cs typeface="Arial" pitchFamily="34" charset="0"/>
-              </a:rPr>
-              <a:t>04</a:t>
-            </a:r>
-            <a:endParaRPr lang="ko-KR" altLang="en-US" sz="2400" b="1" dirty="0">
-              <a:solidFill>
-                <a:schemeClr val="accent2"/>
-              </a:solidFill>
-              <a:cs typeface="Arial" pitchFamily="34" charset="0"/>
-            </a:endParaRPr>
-          </a:p>
-        </p:txBody>
-      </p:sp>
-      <p:sp>
-        <p:nvSpPr>
-          <p:cNvPr id="24" name="TextBox 10"/>
-          <p:cNvSpPr txBox="1"/>
-          <p:nvPr/>
-        </p:nvSpPr>
-        <p:spPr bwMode="auto">
-          <a:xfrm>
-            <a:off x="2595980" y="486098"/>
-            <a:ext cx="3272009" cy="307777"/>
-          </a:xfrm>
-          <a:prstGeom prst="rect">
-            <a:avLst/>
-          </a:prstGeom>
-          <a:noFill/>
-          <a:effectLst/>
-        </p:spPr>
-        <p:txBody>
-          <a:bodyPr wrap="square">
-            <a:spAutoFit/>
-          </a:bodyPr>
-          <a:lstStyle>
-            <a:defPPr>
-              <a:defRPr lang="ko-KR"/>
-            </a:defPPr>
-            <a:lvl1pPr marL="0" algn="l" defTabSz="914400" rtl="0" eaLnBrk="1" latinLnBrk="1" hangingPunct="1">
-              <a:defRPr sz="1800" kern="1200">
-                <a:solidFill>
-                  <a:schemeClr val="tx1"/>
-                </a:solidFill>
-                <a:latin typeface="+mn-lt"/>
-                <a:ea typeface="+mn-ea"/>
-                <a:cs typeface="+mn-cs"/>
-              </a:defRPr>
-            </a:lvl1pPr>
-            <a:lvl2pPr marL="457200" algn="l" defTabSz="914400" rtl="0" eaLnBrk="1" latinLnBrk="1" hangingPunct="1">
-              <a:defRPr sz="1800" kern="1200">
-                <a:solidFill>
-                  <a:schemeClr val="tx1"/>
-                </a:solidFill>
-                <a:latin typeface="+mn-lt"/>
-                <a:ea typeface="+mn-ea"/>
-                <a:cs typeface="+mn-cs"/>
-              </a:defRPr>
-            </a:lvl2pPr>
-            <a:lvl3pPr marL="914400" algn="l" defTabSz="914400" rtl="0" eaLnBrk="1" latinLnBrk="1" hangingPunct="1">
-              <a:defRPr sz="1800" kern="1200">
-                <a:solidFill>
-                  <a:schemeClr val="tx1"/>
-                </a:solidFill>
-                <a:latin typeface="+mn-lt"/>
-                <a:ea typeface="+mn-ea"/>
-                <a:cs typeface="+mn-cs"/>
-              </a:defRPr>
-            </a:lvl3pPr>
-            <a:lvl4pPr marL="1371600" algn="l" defTabSz="914400" rtl="0" eaLnBrk="1" latinLnBrk="1" hangingPunct="1">
-              <a:defRPr sz="1800" kern="1200">
-                <a:solidFill>
-                  <a:schemeClr val="tx1"/>
-                </a:solidFill>
-                <a:latin typeface="+mn-lt"/>
-                <a:ea typeface="+mn-ea"/>
-                <a:cs typeface="+mn-cs"/>
-              </a:defRPr>
-            </a:lvl4pPr>
-            <a:lvl5pPr marL="1828800" algn="l" defTabSz="914400" rtl="0" eaLnBrk="1" latinLnBrk="1" hangingPunct="1">
-              <a:defRPr sz="1800" kern="1200">
-                <a:solidFill>
-                  <a:schemeClr val="tx1"/>
-                </a:solidFill>
-                <a:latin typeface="+mn-lt"/>
-                <a:ea typeface="+mn-ea"/>
-                <a:cs typeface="+mn-cs"/>
-              </a:defRPr>
-            </a:lvl5pPr>
-            <a:lvl6pPr marL="2286000" algn="l" defTabSz="914400" rtl="0" eaLnBrk="1" latinLnBrk="1" hangingPunct="1">
-              <a:defRPr sz="1800" kern="1200">
-                <a:solidFill>
-                  <a:schemeClr val="tx1"/>
-                </a:solidFill>
-                <a:latin typeface="+mn-lt"/>
-                <a:ea typeface="+mn-ea"/>
-                <a:cs typeface="+mn-cs"/>
-              </a:defRPr>
-            </a:lvl6pPr>
-            <a:lvl7pPr marL="2743200" algn="l" defTabSz="914400" rtl="0" eaLnBrk="1" latinLnBrk="1" hangingPunct="1">
-              <a:defRPr sz="1800" kern="1200">
-                <a:solidFill>
-                  <a:schemeClr val="tx1"/>
-                </a:solidFill>
-                <a:latin typeface="+mn-lt"/>
-                <a:ea typeface="+mn-ea"/>
-                <a:cs typeface="+mn-cs"/>
-              </a:defRPr>
-            </a:lvl7pPr>
-            <a:lvl8pPr marL="3200400" algn="l" defTabSz="914400" rtl="0" eaLnBrk="1" latinLnBrk="1" hangingPunct="1">
-              <a:defRPr sz="1800" kern="1200">
-                <a:solidFill>
-                  <a:schemeClr val="tx1"/>
-                </a:solidFill>
-                <a:latin typeface="+mn-lt"/>
-                <a:ea typeface="+mn-ea"/>
-                <a:cs typeface="+mn-cs"/>
-              </a:defRPr>
-            </a:lvl8pPr>
-            <a:lvl9pPr marL="3657600" algn="l" defTabSz="914400" rtl="0" eaLnBrk="1" latinLnBrk="1" hangingPunct="1">
-              <a:defRPr sz="1800" kern="1200">
-                <a:solidFill>
-                  <a:schemeClr val="tx1"/>
-                </a:solidFill>
-                <a:latin typeface="+mn-lt"/>
-                <a:ea typeface="+mn-ea"/>
-                <a:cs typeface="+mn-cs"/>
-              </a:defRPr>
-            </a:lvl9pPr>
-          </a:lstStyle>
-          <a:p>
-            <a:pPr algn="r">
-              <a:defRPr/>
-            </a:pPr>
-            <a:r>
-              <a:rPr lang="en-US" altLang="ko-KR" sz="1400" b="1" dirty="0">
-                <a:solidFill>
-                  <a:schemeClr val="bg1"/>
-                </a:solidFill>
-                <a:cs typeface="Arial" pitchFamily="34" charset="0"/>
-              </a:rPr>
-              <a:t>DATA COLLECT</a:t>
-            </a:r>
-          </a:p>
-        </p:txBody>
-      </p:sp>
-      <p:sp>
-        <p:nvSpPr>
-          <p:cNvPr id="27" name="TextBox 10"/>
-          <p:cNvSpPr txBox="1"/>
-          <p:nvPr/>
-        </p:nvSpPr>
-        <p:spPr bwMode="auto">
-          <a:xfrm>
-            <a:off x="2595980" y="1596852"/>
-            <a:ext cx="3272009" cy="307777"/>
-          </a:xfrm>
-          <a:prstGeom prst="rect">
-            <a:avLst/>
-          </a:prstGeom>
-          <a:noFill/>
-          <a:effectLst/>
-        </p:spPr>
-        <p:txBody>
-          <a:bodyPr wrap="square">
-            <a:spAutoFit/>
-          </a:bodyPr>
-          <a:lstStyle>
-            <a:defPPr>
-              <a:defRPr lang="ko-KR"/>
-            </a:defPPr>
-            <a:lvl1pPr marL="0" algn="l" defTabSz="914400" rtl="0" eaLnBrk="1" latinLnBrk="1" hangingPunct="1">
-              <a:defRPr sz="1800" kern="1200">
-                <a:solidFill>
-                  <a:schemeClr val="tx1"/>
-                </a:solidFill>
-                <a:latin typeface="+mn-lt"/>
-                <a:ea typeface="+mn-ea"/>
-                <a:cs typeface="+mn-cs"/>
-              </a:defRPr>
-            </a:lvl1pPr>
-            <a:lvl2pPr marL="457200" algn="l" defTabSz="914400" rtl="0" eaLnBrk="1" latinLnBrk="1" hangingPunct="1">
-              <a:defRPr sz="1800" kern="1200">
-                <a:solidFill>
-                  <a:schemeClr val="tx1"/>
-                </a:solidFill>
-                <a:latin typeface="+mn-lt"/>
-                <a:ea typeface="+mn-ea"/>
-                <a:cs typeface="+mn-cs"/>
-              </a:defRPr>
-            </a:lvl2pPr>
-            <a:lvl3pPr marL="914400" algn="l" defTabSz="914400" rtl="0" eaLnBrk="1" latinLnBrk="1" hangingPunct="1">
-              <a:defRPr sz="1800" kern="1200">
-                <a:solidFill>
-                  <a:schemeClr val="tx1"/>
-                </a:solidFill>
-                <a:latin typeface="+mn-lt"/>
-                <a:ea typeface="+mn-ea"/>
-                <a:cs typeface="+mn-cs"/>
-              </a:defRPr>
-            </a:lvl3pPr>
-            <a:lvl4pPr marL="1371600" algn="l" defTabSz="914400" rtl="0" eaLnBrk="1" latinLnBrk="1" hangingPunct="1">
-              <a:defRPr sz="1800" kern="1200">
-                <a:solidFill>
-                  <a:schemeClr val="tx1"/>
-                </a:solidFill>
-                <a:latin typeface="+mn-lt"/>
-                <a:ea typeface="+mn-ea"/>
-                <a:cs typeface="+mn-cs"/>
-              </a:defRPr>
-            </a:lvl4pPr>
-            <a:lvl5pPr marL="1828800" algn="l" defTabSz="914400" rtl="0" eaLnBrk="1" latinLnBrk="1" hangingPunct="1">
-              <a:defRPr sz="1800" kern="1200">
-                <a:solidFill>
-                  <a:schemeClr val="tx1"/>
-                </a:solidFill>
-                <a:latin typeface="+mn-lt"/>
-                <a:ea typeface="+mn-ea"/>
-                <a:cs typeface="+mn-cs"/>
-              </a:defRPr>
-            </a:lvl5pPr>
-            <a:lvl6pPr marL="2286000" algn="l" defTabSz="914400" rtl="0" eaLnBrk="1" latinLnBrk="1" hangingPunct="1">
-              <a:defRPr sz="1800" kern="1200">
-                <a:solidFill>
-                  <a:schemeClr val="tx1"/>
-                </a:solidFill>
-                <a:latin typeface="+mn-lt"/>
-                <a:ea typeface="+mn-ea"/>
-                <a:cs typeface="+mn-cs"/>
-              </a:defRPr>
-            </a:lvl6pPr>
-            <a:lvl7pPr marL="2743200" algn="l" defTabSz="914400" rtl="0" eaLnBrk="1" latinLnBrk="1" hangingPunct="1">
-              <a:defRPr sz="1800" kern="1200">
-                <a:solidFill>
-                  <a:schemeClr val="tx1"/>
-                </a:solidFill>
-                <a:latin typeface="+mn-lt"/>
-                <a:ea typeface="+mn-ea"/>
-                <a:cs typeface="+mn-cs"/>
-              </a:defRPr>
-            </a:lvl7pPr>
-            <a:lvl8pPr marL="3200400" algn="l" defTabSz="914400" rtl="0" eaLnBrk="1" latinLnBrk="1" hangingPunct="1">
-              <a:defRPr sz="1800" kern="1200">
-                <a:solidFill>
-                  <a:schemeClr val="tx1"/>
-                </a:solidFill>
-                <a:latin typeface="+mn-lt"/>
-                <a:ea typeface="+mn-ea"/>
-                <a:cs typeface="+mn-cs"/>
-              </a:defRPr>
-            </a:lvl8pPr>
-            <a:lvl9pPr marL="3657600" algn="l" defTabSz="914400" rtl="0" eaLnBrk="1" latinLnBrk="1" hangingPunct="1">
-              <a:defRPr sz="1800" kern="1200">
-                <a:solidFill>
-                  <a:schemeClr val="tx1"/>
-                </a:solidFill>
-                <a:latin typeface="+mn-lt"/>
-                <a:ea typeface="+mn-ea"/>
-                <a:cs typeface="+mn-cs"/>
-              </a:defRPr>
-            </a:lvl9pPr>
-          </a:lstStyle>
-          <a:p>
-            <a:pPr algn="r">
-              <a:defRPr/>
-            </a:pPr>
-            <a:r>
-              <a:rPr lang="en-US" altLang="ko-KR" sz="1400" b="1" dirty="0">
-                <a:solidFill>
-                  <a:schemeClr val="bg1"/>
-                </a:solidFill>
-                <a:cs typeface="Arial" pitchFamily="34" charset="0"/>
-              </a:rPr>
-              <a:t>Data Model</a:t>
-            </a:r>
-          </a:p>
-        </p:txBody>
-      </p:sp>
-      <p:sp>
-        <p:nvSpPr>
-          <p:cNvPr id="30" name="TextBox 10"/>
-          <p:cNvSpPr txBox="1"/>
-          <p:nvPr/>
-        </p:nvSpPr>
-        <p:spPr bwMode="auto">
-          <a:xfrm>
-            <a:off x="2595980" y="2707606"/>
-            <a:ext cx="3272009" cy="307777"/>
-          </a:xfrm>
-          <a:prstGeom prst="rect">
-            <a:avLst/>
-          </a:prstGeom>
-          <a:noFill/>
-          <a:effectLst/>
-        </p:spPr>
-        <p:txBody>
-          <a:bodyPr wrap="square">
-            <a:spAutoFit/>
-          </a:bodyPr>
-          <a:lstStyle>
-            <a:defPPr>
-              <a:defRPr lang="ko-KR"/>
-            </a:defPPr>
-            <a:lvl1pPr marL="0" algn="l" defTabSz="914400" rtl="0" eaLnBrk="1" latinLnBrk="1" hangingPunct="1">
-              <a:defRPr sz="1800" kern="1200">
-                <a:solidFill>
-                  <a:schemeClr val="tx1"/>
-                </a:solidFill>
-                <a:latin typeface="+mn-lt"/>
-                <a:ea typeface="+mn-ea"/>
-                <a:cs typeface="+mn-cs"/>
-              </a:defRPr>
-            </a:lvl1pPr>
-            <a:lvl2pPr marL="457200" algn="l" defTabSz="914400" rtl="0" eaLnBrk="1" latinLnBrk="1" hangingPunct="1">
-              <a:defRPr sz="1800" kern="1200">
-                <a:solidFill>
-                  <a:schemeClr val="tx1"/>
-                </a:solidFill>
-                <a:latin typeface="+mn-lt"/>
-                <a:ea typeface="+mn-ea"/>
-                <a:cs typeface="+mn-cs"/>
-              </a:defRPr>
-            </a:lvl2pPr>
-            <a:lvl3pPr marL="914400" algn="l" defTabSz="914400" rtl="0" eaLnBrk="1" latinLnBrk="1" hangingPunct="1">
-              <a:defRPr sz="1800" kern="1200">
-                <a:solidFill>
-                  <a:schemeClr val="tx1"/>
-                </a:solidFill>
-                <a:latin typeface="+mn-lt"/>
-                <a:ea typeface="+mn-ea"/>
-                <a:cs typeface="+mn-cs"/>
-              </a:defRPr>
-            </a:lvl3pPr>
-            <a:lvl4pPr marL="1371600" algn="l" defTabSz="914400" rtl="0" eaLnBrk="1" latinLnBrk="1" hangingPunct="1">
-              <a:defRPr sz="1800" kern="1200">
-                <a:solidFill>
-                  <a:schemeClr val="tx1"/>
-                </a:solidFill>
-                <a:latin typeface="+mn-lt"/>
-                <a:ea typeface="+mn-ea"/>
-                <a:cs typeface="+mn-cs"/>
-              </a:defRPr>
-            </a:lvl4pPr>
-            <a:lvl5pPr marL="1828800" algn="l" defTabSz="914400" rtl="0" eaLnBrk="1" latinLnBrk="1" hangingPunct="1">
-              <a:defRPr sz="1800" kern="1200">
-                <a:solidFill>
-                  <a:schemeClr val="tx1"/>
-                </a:solidFill>
-                <a:latin typeface="+mn-lt"/>
-                <a:ea typeface="+mn-ea"/>
-                <a:cs typeface="+mn-cs"/>
-              </a:defRPr>
-            </a:lvl5pPr>
-            <a:lvl6pPr marL="2286000" algn="l" defTabSz="914400" rtl="0" eaLnBrk="1" latinLnBrk="1" hangingPunct="1">
-              <a:defRPr sz="1800" kern="1200">
-                <a:solidFill>
-                  <a:schemeClr val="tx1"/>
-                </a:solidFill>
-                <a:latin typeface="+mn-lt"/>
-                <a:ea typeface="+mn-ea"/>
-                <a:cs typeface="+mn-cs"/>
-              </a:defRPr>
-            </a:lvl6pPr>
-            <a:lvl7pPr marL="2743200" algn="l" defTabSz="914400" rtl="0" eaLnBrk="1" latinLnBrk="1" hangingPunct="1">
-              <a:defRPr sz="1800" kern="1200">
-                <a:solidFill>
-                  <a:schemeClr val="tx1"/>
-                </a:solidFill>
-                <a:latin typeface="+mn-lt"/>
-                <a:ea typeface="+mn-ea"/>
-                <a:cs typeface="+mn-cs"/>
-              </a:defRPr>
-            </a:lvl7pPr>
-            <a:lvl8pPr marL="3200400" algn="l" defTabSz="914400" rtl="0" eaLnBrk="1" latinLnBrk="1" hangingPunct="1">
-              <a:defRPr sz="1800" kern="1200">
-                <a:solidFill>
-                  <a:schemeClr val="tx1"/>
-                </a:solidFill>
-                <a:latin typeface="+mn-lt"/>
-                <a:ea typeface="+mn-ea"/>
-                <a:cs typeface="+mn-cs"/>
-              </a:defRPr>
-            </a:lvl8pPr>
-            <a:lvl9pPr marL="3657600" algn="l" defTabSz="914400" rtl="0" eaLnBrk="1" latinLnBrk="1" hangingPunct="1">
-              <a:defRPr sz="1800" kern="1200">
-                <a:solidFill>
-                  <a:schemeClr val="tx1"/>
-                </a:solidFill>
-                <a:latin typeface="+mn-lt"/>
-                <a:ea typeface="+mn-ea"/>
-                <a:cs typeface="+mn-cs"/>
-              </a:defRPr>
-            </a:lvl9pPr>
-          </a:lstStyle>
-          <a:p>
-            <a:pPr algn="r">
-              <a:defRPr/>
-            </a:pPr>
-            <a:r>
-              <a:rPr lang="en-US" altLang="ko-KR" sz="1400" b="1" dirty="0">
-                <a:solidFill>
-                  <a:schemeClr val="bg1"/>
-                </a:solidFill>
-                <a:cs typeface="Arial" pitchFamily="34" charset="0"/>
-              </a:rPr>
-              <a:t>Learning Model</a:t>
-            </a:r>
-          </a:p>
-        </p:txBody>
-      </p:sp>
-      <p:sp>
-        <p:nvSpPr>
-          <p:cNvPr id="33" name="TextBox 10"/>
-          <p:cNvSpPr txBox="1"/>
-          <p:nvPr/>
-        </p:nvSpPr>
-        <p:spPr bwMode="auto">
-          <a:xfrm>
-            <a:off x="2595980" y="3818359"/>
-            <a:ext cx="3272009" cy="307777"/>
-          </a:xfrm>
-          <a:prstGeom prst="rect">
-            <a:avLst/>
-          </a:prstGeom>
-          <a:noFill/>
-          <a:effectLst/>
-        </p:spPr>
-        <p:txBody>
-          <a:bodyPr wrap="square">
-            <a:spAutoFit/>
-          </a:bodyPr>
-          <a:lstStyle>
-            <a:defPPr>
-              <a:defRPr lang="ko-KR"/>
-            </a:defPPr>
-            <a:lvl1pPr marL="0" algn="l" defTabSz="914400" rtl="0" eaLnBrk="1" latinLnBrk="1" hangingPunct="1">
-              <a:defRPr sz="1800" kern="1200">
-                <a:solidFill>
-                  <a:schemeClr val="tx1"/>
-                </a:solidFill>
-                <a:latin typeface="+mn-lt"/>
-                <a:ea typeface="+mn-ea"/>
-                <a:cs typeface="+mn-cs"/>
-              </a:defRPr>
-            </a:lvl1pPr>
-            <a:lvl2pPr marL="457200" algn="l" defTabSz="914400" rtl="0" eaLnBrk="1" latinLnBrk="1" hangingPunct="1">
-              <a:defRPr sz="1800" kern="1200">
-                <a:solidFill>
-                  <a:schemeClr val="tx1"/>
-                </a:solidFill>
-                <a:latin typeface="+mn-lt"/>
-                <a:ea typeface="+mn-ea"/>
-                <a:cs typeface="+mn-cs"/>
-              </a:defRPr>
-            </a:lvl2pPr>
-            <a:lvl3pPr marL="914400" algn="l" defTabSz="914400" rtl="0" eaLnBrk="1" latinLnBrk="1" hangingPunct="1">
-              <a:defRPr sz="1800" kern="1200">
-                <a:solidFill>
-                  <a:schemeClr val="tx1"/>
-                </a:solidFill>
-                <a:latin typeface="+mn-lt"/>
-                <a:ea typeface="+mn-ea"/>
-                <a:cs typeface="+mn-cs"/>
-              </a:defRPr>
-            </a:lvl3pPr>
-            <a:lvl4pPr marL="1371600" algn="l" defTabSz="914400" rtl="0" eaLnBrk="1" latinLnBrk="1" hangingPunct="1">
-              <a:defRPr sz="1800" kern="1200">
-                <a:solidFill>
-                  <a:schemeClr val="tx1"/>
-                </a:solidFill>
-                <a:latin typeface="+mn-lt"/>
-                <a:ea typeface="+mn-ea"/>
-                <a:cs typeface="+mn-cs"/>
-              </a:defRPr>
-            </a:lvl4pPr>
-            <a:lvl5pPr marL="1828800" algn="l" defTabSz="914400" rtl="0" eaLnBrk="1" latinLnBrk="1" hangingPunct="1">
-              <a:defRPr sz="1800" kern="1200">
-                <a:solidFill>
-                  <a:schemeClr val="tx1"/>
-                </a:solidFill>
-                <a:latin typeface="+mn-lt"/>
-                <a:ea typeface="+mn-ea"/>
-                <a:cs typeface="+mn-cs"/>
-              </a:defRPr>
-            </a:lvl5pPr>
-            <a:lvl6pPr marL="2286000" algn="l" defTabSz="914400" rtl="0" eaLnBrk="1" latinLnBrk="1" hangingPunct="1">
-              <a:defRPr sz="1800" kern="1200">
-                <a:solidFill>
-                  <a:schemeClr val="tx1"/>
-                </a:solidFill>
-                <a:latin typeface="+mn-lt"/>
-                <a:ea typeface="+mn-ea"/>
-                <a:cs typeface="+mn-cs"/>
-              </a:defRPr>
-            </a:lvl6pPr>
-            <a:lvl7pPr marL="2743200" algn="l" defTabSz="914400" rtl="0" eaLnBrk="1" latinLnBrk="1" hangingPunct="1">
-              <a:defRPr sz="1800" kern="1200">
-                <a:solidFill>
-                  <a:schemeClr val="tx1"/>
-                </a:solidFill>
-                <a:latin typeface="+mn-lt"/>
-                <a:ea typeface="+mn-ea"/>
-                <a:cs typeface="+mn-cs"/>
-              </a:defRPr>
-            </a:lvl7pPr>
-            <a:lvl8pPr marL="3200400" algn="l" defTabSz="914400" rtl="0" eaLnBrk="1" latinLnBrk="1" hangingPunct="1">
-              <a:defRPr sz="1800" kern="1200">
-                <a:solidFill>
-                  <a:schemeClr val="tx1"/>
-                </a:solidFill>
-                <a:latin typeface="+mn-lt"/>
-                <a:ea typeface="+mn-ea"/>
-                <a:cs typeface="+mn-cs"/>
-              </a:defRPr>
-            </a:lvl8pPr>
-            <a:lvl9pPr marL="3657600" algn="l" defTabSz="914400" rtl="0" eaLnBrk="1" latinLnBrk="1" hangingPunct="1">
-              <a:defRPr sz="1800" kern="1200">
-                <a:solidFill>
-                  <a:schemeClr val="tx1"/>
-                </a:solidFill>
-                <a:latin typeface="+mn-lt"/>
-                <a:ea typeface="+mn-ea"/>
-                <a:cs typeface="+mn-cs"/>
-              </a:defRPr>
-            </a:lvl9pPr>
-          </a:lstStyle>
-          <a:p>
-            <a:pPr algn="r">
-              <a:defRPr/>
-            </a:pPr>
-            <a:r>
-              <a:rPr lang="en-US" altLang="ko-KR" sz="1400" b="1" dirty="0">
-                <a:solidFill>
-                  <a:schemeClr val="bg1"/>
-                </a:solidFill>
-                <a:cs typeface="Arial" pitchFamily="34" charset="0"/>
-              </a:rPr>
-              <a:t>Recommendation Result</a:t>
-            </a:r>
-          </a:p>
-        </p:txBody>
-      </p:sp>
-    </p:spTree>
-    <p:extLst>
-      <p:ext uri="{BB962C8B-B14F-4D97-AF65-F5344CB8AC3E}">
-        <p14:creationId xmlns:p14="http://schemas.microsoft.com/office/powerpoint/2010/main" val="1095055991"/>
       </p:ext>
     </p:extLst>
   </p:cSld>

--- a/docs/final_report.pptx
+++ b/docs/final_report.pptx
@@ -247,7 +247,7 @@
           <a:p>
             <a:fld id="{D090F118-FDC5-4298-8605-509719EC5E22}" type="datetimeFigureOut">
               <a:rPr lang="ko-KR" altLang="en-US" smtClean="0"/>
-              <a:t>2020-12-14</a:t>
+              <a:t>2020-12-15</a:t>
             </a:fld>
             <a:endParaRPr lang="ko-KR" altLang="en-US"/>
           </a:p>
@@ -424,7 +424,7 @@
           <a:p>
             <a:fld id="{7C8BDEB5-11C8-4FFD-966B-93DB62A96F3D}" type="datetimeFigureOut">
               <a:rPr lang="ko-KR" altLang="en-US" smtClean="0"/>
-              <a:t>2020-12-14</a:t>
+              <a:t>2020-12-15</a:t>
             </a:fld>
             <a:endParaRPr lang="ko-KR" altLang="en-US"/>
           </a:p>
@@ -5514,7 +5514,7 @@
         <p:spPr>
           <a:xfrm>
             <a:off x="409188" y="3363838"/>
-            <a:ext cx="2002572" cy="338554"/>
+            <a:ext cx="2002572" cy="1077218"/>
           </a:xfrm>
           <a:prstGeom prst="rect">
             <a:avLst/>
@@ -5528,7 +5528,7 @@
           <a:lstStyle/>
           <a:p>
             <a:r>
-              <a:rPr lang="en-US" altLang="ko-KR" sz="1600">
+              <a:rPr lang="en-US" altLang="ko-KR" sz="1600" dirty="0">
                 <a:solidFill>
                   <a:schemeClr val="bg1"/>
                 </a:solidFill>
@@ -5545,6 +5545,99 @@
               </a:rPr>
               <a:t>이제홍</a:t>
             </a:r>
+            <a:endParaRPr lang="en-US" altLang="ko-KR" sz="1600" dirty="0">
+              <a:solidFill>
+                <a:schemeClr val="bg1"/>
+              </a:solidFill>
+              <a:cs typeface="Arial" pitchFamily="34" charset="0"/>
+            </a:endParaRPr>
+          </a:p>
+          <a:p>
+            <a:r>
+              <a:rPr lang="en-US" altLang="ko-KR" sz="1600" dirty="0">
+                <a:solidFill>
+                  <a:schemeClr val="bg1"/>
+                </a:solidFill>
+                <a:cs typeface="Arial" pitchFamily="34" charset="0"/>
+              </a:rPr>
+              <a:t>20122088 </a:t>
+            </a:r>
+            <a:r>
+              <a:rPr lang="ko-KR" altLang="en-US" sz="1600" dirty="0">
+                <a:solidFill>
+                  <a:schemeClr val="bg1"/>
+                </a:solidFill>
+                <a:cs typeface="Arial" pitchFamily="34" charset="0"/>
+              </a:rPr>
+              <a:t>심정섭</a:t>
+            </a:r>
+            <a:endParaRPr lang="en-US" altLang="ko-KR" sz="1600" dirty="0">
+              <a:solidFill>
+                <a:schemeClr val="bg1"/>
+              </a:solidFill>
+              <a:cs typeface="Arial" pitchFamily="34" charset="0"/>
+            </a:endParaRPr>
+          </a:p>
+          <a:p>
+            <a:r>
+              <a:rPr lang="en-US" altLang="ko-KR" sz="1600" dirty="0">
+                <a:solidFill>
+                  <a:schemeClr val="bg1"/>
+                </a:solidFill>
+                <a:cs typeface="Arial" pitchFamily="34" charset="0"/>
+              </a:rPr>
+              <a:t>20140682 </a:t>
+            </a:r>
+            <a:r>
+              <a:rPr lang="ko-KR" altLang="en-US" sz="1600" dirty="0">
+                <a:solidFill>
+                  <a:schemeClr val="bg1"/>
+                </a:solidFill>
+                <a:cs typeface="Arial" pitchFamily="34" charset="0"/>
+              </a:rPr>
+              <a:t>최윤석</a:t>
+            </a:r>
+            <a:endParaRPr lang="en-US" altLang="ko-KR" sz="1600" dirty="0">
+              <a:solidFill>
+                <a:schemeClr val="bg1"/>
+              </a:solidFill>
+              <a:cs typeface="Arial" pitchFamily="34" charset="0"/>
+            </a:endParaRPr>
+          </a:p>
+          <a:p>
+            <a:r>
+              <a:rPr lang="en-US" altLang="ko-KR" sz="1600" dirty="0">
+                <a:solidFill>
+                  <a:schemeClr val="bg1"/>
+                </a:solidFill>
+                <a:cs typeface="Arial" pitchFamily="34" charset="0"/>
+              </a:rPr>
+              <a:t>20140588 </a:t>
+            </a:r>
+            <a:r>
+              <a:rPr lang="ko-KR" altLang="en-US" sz="1600" dirty="0">
+                <a:solidFill>
+                  <a:schemeClr val="bg1"/>
+                </a:solidFill>
+                <a:cs typeface="Arial" pitchFamily="34" charset="0"/>
+              </a:rPr>
+              <a:t>조용훈</a:t>
+            </a:r>
+            <a:r>
+              <a:rPr lang="en-US" altLang="ko-KR" sz="1600" dirty="0">
+                <a:solidFill>
+                  <a:schemeClr val="bg1"/>
+                </a:solidFill>
+                <a:cs typeface="Arial" pitchFamily="34" charset="0"/>
+              </a:rPr>
+              <a:t> </a:t>
+            </a:r>
+            <a:endParaRPr lang="ko-KR" altLang="en-US" sz="1600" dirty="0">
+              <a:solidFill>
+                <a:schemeClr val="bg1"/>
+              </a:solidFill>
+              <a:cs typeface="Arial" pitchFamily="34" charset="0"/>
+            </a:endParaRPr>
           </a:p>
         </p:txBody>
       </p:sp>
